--- a/Newton's Method Poster.pptx
+++ b/Newton's Method Poster.pptx
@@ -12964,130 +12964,30 @@
               </a:rPr>
             </a:br>
             <a:r>
-              <a:rPr lang="en-US" sz="4800" dirty="0">
+              <a:rPr lang="en-US" sz="5400" dirty="0">
                 <a:latin typeface="Calibri" panose="020F0502020204030204" pitchFamily="34" charset="0"/>
               </a:rPr>
-              <a:t>Cory Lewis</a:t>
+              <a:t>Cory </a:t>
             </a:r>
             <a:r>
-              <a:rPr lang="en-US" sz="4000" baseline="30000" dirty="0">
+              <a:rPr lang="en-US" sz="5400" dirty="0" smtClean="0">
                 <a:latin typeface="Calibri" panose="020F0502020204030204" pitchFamily="34" charset="0"/>
               </a:rPr>
-              <a:t>1</a:t>
+              <a:t>Lewis</a:t>
             </a:r>
             <a:r>
-              <a:rPr lang="en-US" sz="4800" dirty="0">
+              <a:rPr lang="en-US" sz="4400" baseline="30000" dirty="0">
                 <a:latin typeface="Calibri" panose="020F0502020204030204" pitchFamily="34" charset="0"/>
               </a:rPr>
-              <a:t>, Rachel Owens</a:t>
+              <a:t> </a:t>
             </a:r>
             <a:r>
-              <a:rPr lang="en-US" sz="4000" baseline="30000" dirty="0">
+              <a:rPr lang="en-US" sz="5400" dirty="0" smtClean="0">
                 <a:latin typeface="Calibri" panose="020F0502020204030204" pitchFamily="34" charset="0"/>
               </a:rPr>
-              <a:t>1</a:t>
+              <a:t> and Rachel Owens</a:t>
             </a:r>
-            <a:r>
-              <a:rPr lang="en-US" sz="4800" dirty="0">
-                <a:latin typeface="Calibri" panose="020F0502020204030204" pitchFamily="34" charset="0"/>
-              </a:rPr>
-              <a:t>, and John </a:t>
-            </a:r>
-            <a:r>
-              <a:rPr lang="en-US" sz="4800" dirty="0" smtClean="0">
-                <a:latin typeface="Calibri" panose="020F0502020204030204" pitchFamily="34" charset="0"/>
-              </a:rPr>
-              <a:t>Redden</a:t>
-            </a:r>
-            <a:r>
-              <a:rPr lang="en-US" sz="4000" baseline="30000" dirty="0" smtClean="0">
-                <a:latin typeface="Calibri" panose="020F0502020204030204" pitchFamily="34" charset="0"/>
-              </a:rPr>
-              <a:t>2</a:t>
-            </a:r>
-            <a:r>
-              <a:rPr lang="en-US" sz="3600" baseline="30000" dirty="0">
-                <a:solidFill>
-                  <a:schemeClr val="dk1"/>
-                </a:solidFill>
-                <a:latin typeface="Calibri"/>
-                <a:ea typeface="Calibri"/>
-                <a:cs typeface="Calibri"/>
-                <a:sym typeface="Calibri"/>
-              </a:rPr>
-              <a:t/>
-            </a:r>
-            <a:br>
-              <a:rPr lang="en-US" sz="3600" baseline="30000" dirty="0">
-                <a:solidFill>
-                  <a:schemeClr val="dk1"/>
-                </a:solidFill>
-                <a:latin typeface="Calibri"/>
-                <a:ea typeface="Calibri"/>
-                <a:cs typeface="Calibri"/>
-                <a:sym typeface="Calibri"/>
-              </a:rPr>
-            </a:br>
-            <a:r>
-              <a:rPr lang="en-US" sz="2000" baseline="30000" dirty="0">
-                <a:solidFill>
-                  <a:schemeClr val="dk1"/>
-                </a:solidFill>
-                <a:latin typeface="Calibri"/>
-                <a:ea typeface="Calibri"/>
-                <a:cs typeface="Calibri"/>
-                <a:sym typeface="Calibri"/>
-              </a:rPr>
-              <a:t>1</a:t>
-            </a:r>
-            <a:r>
-              <a:rPr lang="en-US" sz="2000" dirty="0">
-                <a:solidFill>
-                  <a:schemeClr val="dk1"/>
-                </a:solidFill>
-                <a:latin typeface="Calibri"/>
-                <a:ea typeface="Calibri"/>
-                <a:cs typeface="Calibri"/>
-                <a:sym typeface="Calibri"/>
-              </a:rPr>
-              <a:t>College of the Sequoias Student</a:t>
-            </a:r>
-            <a:br>
-              <a:rPr lang="en-US" sz="2000" dirty="0">
-                <a:solidFill>
-                  <a:schemeClr val="dk1"/>
-                </a:solidFill>
-                <a:latin typeface="Calibri"/>
-                <a:ea typeface="Calibri"/>
-                <a:cs typeface="Calibri"/>
-                <a:sym typeface="Calibri"/>
-              </a:rPr>
-            </a:br>
-            <a:r>
-              <a:rPr lang="en-US" sz="2000" baseline="30000" dirty="0">
-                <a:solidFill>
-                  <a:schemeClr val="dk1"/>
-                </a:solidFill>
-                <a:latin typeface="Calibri"/>
-                <a:ea typeface="Calibri"/>
-                <a:cs typeface="Calibri"/>
-                <a:sym typeface="Calibri"/>
-              </a:rPr>
-              <a:t>2</a:t>
-            </a:r>
-            <a:r>
-              <a:rPr lang="en-US" sz="2000" dirty="0">
-                <a:solidFill>
-                  <a:schemeClr val="dk1"/>
-                </a:solidFill>
-                <a:latin typeface="Calibri"/>
-                <a:ea typeface="Calibri"/>
-                <a:cs typeface="Calibri"/>
-                <a:sym typeface="Calibri"/>
-              </a:rPr>
-              <a:t>College of the Sequoias Faculty</a:t>
-            </a:r>
-            <a:endParaRPr lang="en-US" sz="2000" b="0" i="0" u="none" strike="noStrike" cap="none" baseline="0" dirty="0">
+            <a:endParaRPr lang="en-US" sz="2400" b="0" i="0" u="none" strike="noStrike" cap="none" baseline="0" dirty="0">
               <a:solidFill>
                 <a:schemeClr val="dk1"/>
               </a:solidFill>
@@ -14659,8 +14559,23 @@
                 <a:cs typeface="Calibri"/>
                 <a:sym typeface="Calibri"/>
               </a:rPr>
-              <a:t>for this project was provided by the College of the Sequoias SURGE program, which is funded by the US Department of Education MSEIP grant #P120A130106.</a:t>
+              <a:t>for this project was provided by the College of the Sequoias SURGE program, which is funded by the US Department of Education MSEIP grant #P120A130106</a:t>
             </a:r>
+            <a:r>
+              <a:rPr lang="en-US" sz="3600" dirty="0" smtClean="0">
+                <a:latin typeface="Calibri"/>
+                <a:ea typeface="Calibri"/>
+                <a:cs typeface="Calibri"/>
+                <a:sym typeface="Calibri"/>
+              </a:rPr>
+              <a:t>. Special thanks to our advisor, Mr. Redden, for his knowledge and help.</a:t>
+            </a:r>
+            <a:endParaRPr lang="en-US" sz="3600" dirty="0">
+              <a:latin typeface="Calibri"/>
+              <a:ea typeface="Calibri"/>
+              <a:cs typeface="Calibri"/>
+              <a:sym typeface="Calibri"/>
+            </a:endParaRPr>
           </a:p>
         </p:txBody>
       </p:sp>

--- a/Newton's Method Poster.pptx
+++ b/Newton's Method Poster.pptx
@@ -1231,6 +1231,13 @@
         </dgm:presLayoutVars>
       </dgm:prSet>
       <dgm:spPr/>
+      <dgm:t>
+        <a:bodyPr/>
+        <a:lstStyle/>
+        <a:p>
+          <a:endParaRPr lang="en-US"/>
+        </a:p>
+      </dgm:t>
     </dgm:pt>
     <dgm:pt modelId="{C0D95CB0-AC20-483C-862F-1EB9BB710619}" type="pres">
       <dgm:prSet presAssocID="{E119776D-6D6B-4955-97C8-CAFE3AAAA9B9}" presName="node" presStyleLbl="node1" presStyleIdx="0" presStyleCnt="5" custScaleX="29829" custScaleY="18759" custLinFactNeighborX="9415" custLinFactNeighborY="-13967">
@@ -1250,10 +1257,24 @@
     <dgm:pt modelId="{C76BDFC2-4902-4D91-B396-B4C6DF1742CF}" type="pres">
       <dgm:prSet presAssocID="{71511923-AF56-40C3-A72D-00D2F5EABD07}" presName="sibTrans" presStyleLbl="sibTrans1D1" presStyleIdx="0" presStyleCnt="4"/>
       <dgm:spPr/>
+      <dgm:t>
+        <a:bodyPr/>
+        <a:lstStyle/>
+        <a:p>
+          <a:endParaRPr lang="en-US"/>
+        </a:p>
+      </dgm:t>
     </dgm:pt>
     <dgm:pt modelId="{47BC438A-AFB4-47AE-9418-ACF3DCBF8053}" type="pres">
       <dgm:prSet presAssocID="{71511923-AF56-40C3-A72D-00D2F5EABD07}" presName="connectorText" presStyleLbl="sibTrans1D1" presStyleIdx="0" presStyleCnt="4"/>
       <dgm:spPr/>
+      <dgm:t>
+        <a:bodyPr/>
+        <a:lstStyle/>
+        <a:p>
+          <a:endParaRPr lang="en-US"/>
+        </a:p>
+      </dgm:t>
     </dgm:pt>
     <dgm:pt modelId="{53EDE23C-5AB3-47FA-89C5-F36E21C18445}" type="pres">
       <dgm:prSet presAssocID="{E459FDD5-555A-4760-8725-FF717C7BA94A}" presName="node" presStyleLbl="node1" presStyleIdx="1" presStyleCnt="5" custScaleX="17676" custScaleY="14512" custLinFactNeighborX="868" custLinFactNeighborY="-18596">
@@ -1273,10 +1294,24 @@
     <dgm:pt modelId="{991BFDBB-4317-4433-B4BC-4CF1BEFFC245}" type="pres">
       <dgm:prSet presAssocID="{218586C6-4247-463D-9577-23135DED24E2}" presName="sibTrans" presStyleLbl="sibTrans1D1" presStyleIdx="1" presStyleCnt="4"/>
       <dgm:spPr/>
+      <dgm:t>
+        <a:bodyPr/>
+        <a:lstStyle/>
+        <a:p>
+          <a:endParaRPr lang="en-US"/>
+        </a:p>
+      </dgm:t>
     </dgm:pt>
     <dgm:pt modelId="{9CA49FFE-9502-4DC7-8B07-513E37A0F9FE}" type="pres">
       <dgm:prSet presAssocID="{218586C6-4247-463D-9577-23135DED24E2}" presName="connectorText" presStyleLbl="sibTrans1D1" presStyleIdx="1" presStyleCnt="4"/>
       <dgm:spPr/>
+      <dgm:t>
+        <a:bodyPr/>
+        <a:lstStyle/>
+        <a:p>
+          <a:endParaRPr lang="en-US"/>
+        </a:p>
+      </dgm:t>
     </dgm:pt>
     <dgm:pt modelId="{0085EAAD-3B32-4330-A72A-C0E46E4B3641}" type="pres">
       <dgm:prSet presAssocID="{9F5218A0-90F1-48B6-BB3F-DC122578A2EF}" presName="node" presStyleLbl="node1" presStyleIdx="2" presStyleCnt="5" custScaleX="24332" custScaleY="48327" custLinFactNeighborX="-19411" custLinFactNeighborY="22523">
@@ -1296,10 +1331,24 @@
     <dgm:pt modelId="{3AE4E3FA-5D39-40BB-BAB0-E890BE0AFD2B}" type="pres">
       <dgm:prSet presAssocID="{ED4B80E9-C159-490E-B0A5-DDE2752589E1}" presName="sibTrans" presStyleLbl="sibTrans1D1" presStyleIdx="2" presStyleCnt="4"/>
       <dgm:spPr/>
+      <dgm:t>
+        <a:bodyPr/>
+        <a:lstStyle/>
+        <a:p>
+          <a:endParaRPr lang="en-US"/>
+        </a:p>
+      </dgm:t>
     </dgm:pt>
     <dgm:pt modelId="{355DCBBB-3421-4AE3-9BFA-63A2D798223A}" type="pres">
       <dgm:prSet presAssocID="{ED4B80E9-C159-490E-B0A5-DDE2752589E1}" presName="connectorText" presStyleLbl="sibTrans1D1" presStyleIdx="2" presStyleCnt="4"/>
       <dgm:spPr/>
+      <dgm:t>
+        <a:bodyPr/>
+        <a:lstStyle/>
+        <a:p>
+          <a:endParaRPr lang="en-US"/>
+        </a:p>
+      </dgm:t>
     </dgm:pt>
     <dgm:pt modelId="{59A92220-14CF-4443-9A54-DD98EC8CD689}" type="pres">
       <dgm:prSet presAssocID="{033C901F-3A78-45E3-B13C-03DBE9249778}" presName="node" presStyleLbl="node1" presStyleIdx="3" presStyleCnt="5" custScaleX="33642" custScaleY="45178" custLinFactNeighborX="2233" custLinFactNeighborY="-48467">
@@ -1319,10 +1368,24 @@
     <dgm:pt modelId="{E29468FD-E079-4340-B989-979877FDE49F}" type="pres">
       <dgm:prSet presAssocID="{8E8FDDC5-D863-41D1-9F16-FE9869DF4EAF}" presName="sibTrans" presStyleLbl="sibTrans1D1" presStyleIdx="3" presStyleCnt="4"/>
       <dgm:spPr/>
+      <dgm:t>
+        <a:bodyPr/>
+        <a:lstStyle/>
+        <a:p>
+          <a:endParaRPr lang="en-US"/>
+        </a:p>
+      </dgm:t>
     </dgm:pt>
     <dgm:pt modelId="{6BFFAD14-45CF-4072-BEEC-3E29B0650A06}" type="pres">
       <dgm:prSet presAssocID="{8E8FDDC5-D863-41D1-9F16-FE9869DF4EAF}" presName="connectorText" presStyleLbl="sibTrans1D1" presStyleIdx="3" presStyleCnt="4"/>
       <dgm:spPr/>
+      <dgm:t>
+        <a:bodyPr/>
+        <a:lstStyle/>
+        <a:p>
+          <a:endParaRPr lang="en-US"/>
+        </a:p>
+      </dgm:t>
     </dgm:pt>
     <dgm:pt modelId="{77952285-0A1D-4036-88F2-19A1034DEC6B}" type="pres">
       <dgm:prSet presAssocID="{B98EC44E-79AA-4B56-869F-3FEF6AFB601F}" presName="node" presStyleLbl="node1" presStyleIdx="4" presStyleCnt="5" custScaleX="47367" custScaleY="33075" custLinFactNeighborX="-11786" custLinFactNeighborY="-6541">
@@ -1354,8 +1417,8 @@
     <dgm:cxn modelId="{A5A0665A-9E7D-4BDC-961D-A351B828B126}" srcId="{1EE23BD6-DEFE-4014-B659-2498A1937986}" destId="{B98EC44E-79AA-4B56-869F-3FEF6AFB601F}" srcOrd="4" destOrd="0" parTransId="{EB47E6F7-32AE-4F17-AEEB-8D4EA3EAE1D9}" sibTransId="{5EDB62FC-DA08-4664-BD95-DA4B42904341}"/>
     <dgm:cxn modelId="{A74C1EDC-0714-4CC7-9A03-132C95E07567}" type="presOf" srcId="{8E8FDDC5-D863-41D1-9F16-FE9869DF4EAF}" destId="{6BFFAD14-45CF-4072-BEEC-3E29B0650A06}" srcOrd="1" destOrd="0" presId="urn:microsoft.com/office/officeart/2005/8/layout/bProcess3"/>
     <dgm:cxn modelId="{76412F52-265A-4E82-B4B4-CDC34DBE68E8}" type="presOf" srcId="{71511923-AF56-40C3-A72D-00D2F5EABD07}" destId="{C76BDFC2-4902-4D91-B396-B4C6DF1742CF}" srcOrd="0" destOrd="0" presId="urn:microsoft.com/office/officeart/2005/8/layout/bProcess3"/>
+    <dgm:cxn modelId="{A289EE37-CD1F-4254-8000-D8744BE6600F}" srcId="{1EE23BD6-DEFE-4014-B659-2498A1937986}" destId="{9F5218A0-90F1-48B6-BB3F-DC122578A2EF}" srcOrd="2" destOrd="0" parTransId="{B33CA6C0-3875-41AC-9998-CDF48436686B}" sibTransId="{ED4B80E9-C159-490E-B0A5-DDE2752589E1}"/>
     <dgm:cxn modelId="{7987A43C-987B-422B-BF9F-7A9E6EFC78BE}" type="presOf" srcId="{ED4B80E9-C159-490E-B0A5-DDE2752589E1}" destId="{355DCBBB-3421-4AE3-9BFA-63A2D798223A}" srcOrd="1" destOrd="0" presId="urn:microsoft.com/office/officeart/2005/8/layout/bProcess3"/>
-    <dgm:cxn modelId="{A289EE37-CD1F-4254-8000-D8744BE6600F}" srcId="{1EE23BD6-DEFE-4014-B659-2498A1937986}" destId="{9F5218A0-90F1-48B6-BB3F-DC122578A2EF}" srcOrd="2" destOrd="0" parTransId="{B33CA6C0-3875-41AC-9998-CDF48436686B}" sibTransId="{ED4B80E9-C159-490E-B0A5-DDE2752589E1}"/>
     <dgm:cxn modelId="{37C06D0D-0254-4323-811E-38A0E14AE738}" type="presOf" srcId="{B98EC44E-79AA-4B56-869F-3FEF6AFB601F}" destId="{77952285-0A1D-4036-88F2-19A1034DEC6B}" srcOrd="0" destOrd="0" presId="urn:microsoft.com/office/officeart/2005/8/layout/bProcess3"/>
     <dgm:cxn modelId="{EC495F13-E501-4CD8-91D6-EF8A6A3537E8}" type="presOf" srcId="{218586C6-4247-463D-9577-23135DED24E2}" destId="{9CA49FFE-9502-4DC7-8B07-513E37A0F9FE}" srcOrd="1" destOrd="0" presId="urn:microsoft.com/office/officeart/2005/8/layout/bProcess3"/>
     <dgm:cxn modelId="{3804ABFE-C966-4F74-A888-4C291FA7B824}" type="presOf" srcId="{033C901F-3A78-45E3-B13C-03DBE9249778}" destId="{59A92220-14CF-4443-9A54-DD98EC8CD689}" srcOrd="0" destOrd="0" presId="urn:microsoft.com/office/officeart/2005/8/layout/bProcess3"/>
@@ -13300,8 +13363,8 @@
           </a:p>
         </p:txBody>
       </p:sp>
-      <mc:AlternateContent xmlns:mc="http://schemas.openxmlformats.org/markup-compatibility/2006">
-        <mc:Choice xmlns:a14="http://schemas.microsoft.com/office/drawing/2010/main" Requires="a14">
+      <mc:AlternateContent xmlns:mc="http://schemas.openxmlformats.org/markup-compatibility/2006" xmlns:a14="http://schemas.microsoft.com/office/drawing/2010/main">
+        <mc:Choice Requires="a14">
           <p:sp>
             <p:nvSpPr>
               <p:cNvPr id="87" name="Shape 87"/>
@@ -13349,16 +13412,7 @@
                     <a:cs typeface="Calibri"/>
                     <a:sym typeface="Calibri"/>
                   </a:rPr>
-                  <a:t>method was first published in 1685 in A Treatise of Algebra both Historical and Practical by John Wallis. </a:t>
-                </a:r>
-                <a:r>
-                  <a:rPr lang="en-US" sz="3600" dirty="0">
-                    <a:latin typeface="Calibri"/>
-                    <a:ea typeface="Calibri"/>
-                    <a:cs typeface="Calibri"/>
-                    <a:sym typeface="Calibri"/>
-                  </a:rPr>
-                  <a:t>This method, discovered by Isaac Newton, is useful for finding solutions to equations involving difficult radicals or large exponents. Using a first guess at the root, the formula uses the function and its derivative to approximate the root, coming closer with each iteration.</a:t>
+                  <a:t>method was first published in 1685 in A Treatise of Algebra both Historical and Practical by John Wallis. This method, discovered by Isaac Newton, is useful for finding solutions to equations involving difficult radicals or large exponents. Using a first guess at the root, the formula uses the function and its derivative to approximate the root, coming closer with each iteration.</a:t>
                 </a:r>
               </a:p>
               <a:p>
@@ -13671,7 +13725,7 @@
             </p:txBody>
           </p:sp>
         </mc:Choice>
-        <mc:Fallback>
+        <mc:Fallback xmlns="">
           <p:sp>
             <p:nvSpPr>
               <p:cNvPr id="87" name="Shape 87"/>
@@ -13834,9 +13888,6 @@
               </a:rPr>
               <a:t>found that a do-while loop for the heart of the math calculations worked well, and allowed for us to control the number of iterations using the exit conditions. The final website also includes a graph to make it easier for users to visualize the function.</a:t>
             </a:r>
-            <a:endParaRPr lang="en-US" sz="3600" dirty="0">
-              <a:latin typeface="Calibri" panose="020F0502020204030204" pitchFamily="34" charset="0"/>
-            </a:endParaRPr>
           </a:p>
         </p:txBody>
       </p:sp>
@@ -14166,16 +14217,7 @@
                 <a:cs typeface="Calibri"/>
                 <a:sym typeface="Calibri"/>
               </a:rPr>
-              <a:t>A blend of the concepts from the prototype and concepts from the final piece</a:t>
-            </a:r>
-            <a:r>
-              <a:rPr lang="en-US" sz="3600" dirty="0" smtClean="0">
-                <a:latin typeface="Calibri"/>
-                <a:ea typeface="Calibri"/>
-                <a:cs typeface="Calibri"/>
-                <a:sym typeface="Calibri"/>
-              </a:rPr>
-              <a:t>. Our prototype was only for quadratics, and had no graph. This next version included a graph and sliders to change the accuracy and precision of the output.</a:t>
+              <a:t>A blend of the concepts from the prototype and concepts from the final piece. Our prototype was only for quadratics, and had no graph. This next version included a graph and sliders to change the accuracy and precision of the output.</a:t>
             </a:r>
             <a:endParaRPr lang="en-US" sz="3600" dirty="0">
               <a:latin typeface="Calibri"/>
@@ -14520,7 +14562,7 @@
         </p:nvSpPr>
         <p:spPr>
           <a:xfrm>
-            <a:off x="30485401" y="29870400"/>
+            <a:off x="30396150" y="29716249"/>
             <a:ext cx="13405799" cy="2119125"/>
           </a:xfrm>
           <a:prstGeom prst="rect">
@@ -14568,7 +14610,70 @@
                 <a:cs typeface="Calibri"/>
                 <a:sym typeface="Calibri"/>
               </a:rPr>
-              <a:t>. Special thanks to our advisor, Mr. Redden, for his knowledge and help.</a:t>
+              <a:t>. </a:t>
+            </a:r>
+            <a:r>
+              <a:rPr lang="en-US" sz="3600" dirty="0" smtClean="0">
+                <a:latin typeface="Calibri"/>
+                <a:ea typeface="Calibri"/>
+                <a:cs typeface="Calibri"/>
+                <a:sym typeface="Calibri"/>
+              </a:rPr>
+              <a:t>Thanks to Calculus by </a:t>
+            </a:r>
+            <a:r>
+              <a:rPr lang="en-US" sz="3600" dirty="0" err="1" smtClean="0">
+                <a:latin typeface="Calibri"/>
+                <a:ea typeface="Calibri"/>
+                <a:cs typeface="Calibri"/>
+                <a:sym typeface="Calibri"/>
+              </a:rPr>
+              <a:t>Antons</a:t>
+            </a:r>
+            <a:r>
+              <a:rPr lang="en-US" sz="3600" dirty="0" smtClean="0">
+                <a:latin typeface="Calibri"/>
+                <a:ea typeface="Calibri"/>
+                <a:cs typeface="Calibri"/>
+                <a:sym typeface="Calibri"/>
+              </a:rPr>
+              <a:t>, </a:t>
+            </a:r>
+            <a:r>
+              <a:rPr lang="en-US" sz="3600" dirty="0" err="1" smtClean="0">
+                <a:latin typeface="Calibri"/>
+                <a:ea typeface="Calibri"/>
+                <a:cs typeface="Calibri"/>
+                <a:sym typeface="Calibri"/>
+              </a:rPr>
+              <a:t>Bivens</a:t>
+            </a:r>
+            <a:r>
+              <a:rPr lang="en-US" sz="3600" dirty="0" smtClean="0">
+                <a:latin typeface="Calibri"/>
+                <a:ea typeface="Calibri"/>
+                <a:cs typeface="Calibri"/>
+                <a:sym typeface="Calibri"/>
+              </a:rPr>
+              <a:t>, and Davis for Figure #1. </a:t>
+            </a:r>
+            <a:r>
+              <a:rPr lang="en-US" sz="3600" dirty="0" smtClean="0">
+                <a:latin typeface="Calibri"/>
+                <a:ea typeface="Calibri"/>
+                <a:cs typeface="Calibri"/>
+                <a:sym typeface="Calibri"/>
+              </a:rPr>
+              <a:t>Special </a:t>
+            </a:r>
+            <a:r>
+              <a:rPr lang="en-US" sz="3600" dirty="0" smtClean="0">
+                <a:latin typeface="Calibri"/>
+                <a:ea typeface="Calibri"/>
+                <a:cs typeface="Calibri"/>
+                <a:sym typeface="Calibri"/>
+              </a:rPr>
+              <a:t>thanks to our advisor, Mr. Redden, for his knowledge and help.</a:t>
             </a:r>
             <a:endParaRPr lang="en-US" sz="3600" dirty="0">
               <a:latin typeface="Calibri"/>
@@ -14579,8 +14684,8 @@
           </a:p>
         </p:txBody>
       </p:sp>
-      <mc:AlternateContent xmlns:mc="http://schemas.openxmlformats.org/markup-compatibility/2006">
-        <mc:Choice xmlns:a14="http://schemas.microsoft.com/office/drawing/2010/main" Requires="a14">
+      <mc:AlternateContent xmlns:mc="http://schemas.openxmlformats.org/markup-compatibility/2006" xmlns:a14="http://schemas.microsoft.com/office/drawing/2010/main">
+        <mc:Choice Requires="a14">
           <p:sp>
             <p:nvSpPr>
               <p:cNvPr id="105" name="Shape 105"/>
@@ -15134,7 +15239,7 @@
             </p:txBody>
           </p:sp>
         </mc:Choice>
-        <mc:Fallback>
+        <mc:Fallback xmlns="">
           <p:sp>
             <p:nvSpPr>
               <p:cNvPr id="105" name="Shape 105"/>
@@ -15235,15 +15340,7 @@
               <a:srgbClr val="FFFFFF"/>
             </a:contourClr>
           </a:sp3d>
-          <a:extLst>
-            <a:ext uri="{909E8E84-426E-40DD-AFC4-6F175D3DCCD1}">
-              <a14:hiddenFill xmlns:a14="http://schemas.microsoft.com/office/drawing/2010/main">
-                <a:solidFill>
-                  <a:srgbClr val="FFFFFF"/>
-                </a:solidFill>
-              </a14:hiddenFill>
-            </a:ext>
-          </a:extLst>
+          <a:extLst/>
         </p:spPr>
       </p:pic>
       <p:pic>
@@ -15685,6 +15782,40 @@
           </a:graphicData>
         </a:graphic>
       </p:graphicFrame>
+      <p:sp>
+        <p:nvSpPr>
+          <p:cNvPr id="2" name="TextBox 1"/>
+          <p:cNvSpPr txBox="1"/>
+          <p:nvPr/>
+        </p:nvSpPr>
+        <p:spPr>
+          <a:xfrm>
+            <a:off x="1143000" y="26289000"/>
+            <a:ext cx="1600200" cy="523220"/>
+          </a:xfrm>
+          <a:prstGeom prst="rect">
+            <a:avLst/>
+          </a:prstGeom>
+          <a:noFill/>
+        </p:spPr>
+        <p:txBody>
+          <a:bodyPr wrap="square" rtlCol="0">
+            <a:spAutoFit/>
+          </a:bodyPr>
+          <a:lstStyle/>
+          <a:p>
+            <a:r>
+              <a:rPr lang="en-US" sz="2800" dirty="0" smtClean="0">
+                <a:latin typeface="Century Schoolbook" panose="02040604050505020304" pitchFamily="18" charset="0"/>
+              </a:rPr>
+              <a:t>Figure 1</a:t>
+            </a:r>
+            <a:endParaRPr lang="en-US" sz="2800" dirty="0">
+              <a:latin typeface="Century Schoolbook" panose="02040604050505020304" pitchFamily="18" charset="0"/>
+            </a:endParaRPr>
+          </a:p>
+        </p:txBody>
+      </p:sp>
     </p:spTree>
   </p:cSld>
   <p:clrMapOvr>

--- a/Newton's Method Poster.pptx
+++ b/Newton's Method Poster.pptx
@@ -1002,14 +1002,11 @@
         <a:lstStyle/>
         <a:p>
           <a:r>
-            <a:rPr lang="en-US" sz="3600" dirty="0" smtClean="0">
+            <a:rPr lang="en-US" sz="3600" dirty="0">
               <a:latin typeface="Calibri" panose="020F0502020204030204" pitchFamily="34" charset="0"/>
             </a:rPr>
             <a:t>1. User enters text</a:t>
           </a:r>
-          <a:endParaRPr lang="en-US" sz="3600" dirty="0">
-            <a:latin typeface="Calibri" panose="020F0502020204030204" pitchFamily="34" charset="0"/>
-          </a:endParaRPr>
         </a:p>
       </dgm:t>
     </dgm:pt>
@@ -1043,10 +1040,9 @@
         <a:lstStyle/>
         <a:p>
           <a:r>
-            <a:rPr lang="en-US" dirty="0" smtClean="0"/>
+            <a:rPr lang="en-US" dirty="0"/>
             <a:t>Display styled function</a:t>
           </a:r>
-          <a:endParaRPr lang="en-US" dirty="0"/>
         </a:p>
       </dgm:t>
     </dgm:pt>
@@ -1080,7 +1076,7 @@
         <a:lstStyle/>
         <a:p>
           <a:r>
-            <a:rPr lang="en-US" sz="3600" dirty="0" smtClean="0">
+            <a:rPr lang="en-US" sz="3600" dirty="0">
               <a:latin typeface="Calibri" panose="020F0502020204030204" pitchFamily="34" charset="0"/>
             </a:rPr>
             <a:t>2. On Enter</a:t>
@@ -1088,14 +1084,11 @@
         </a:p>
         <a:p>
           <a:r>
-            <a:rPr lang="en-US" sz="3600" dirty="0" smtClean="0">
+            <a:rPr lang="en-US" sz="3600" dirty="0">
               <a:latin typeface="Calibri" panose="020F0502020204030204" pitchFamily="34" charset="0"/>
             </a:rPr>
             <a:t>Display derivative, graph, and guess input box</a:t>
           </a:r>
-          <a:endParaRPr lang="en-US" sz="3600" dirty="0">
-            <a:latin typeface="Calibri" panose="020F0502020204030204" pitchFamily="34" charset="0"/>
-          </a:endParaRPr>
         </a:p>
       </dgm:t>
     </dgm:pt>
@@ -1129,7 +1122,7 @@
         <a:lstStyle/>
         <a:p>
           <a:r>
-            <a:rPr lang="en-US" sz="3200" dirty="0" smtClean="0">
+            <a:rPr lang="en-US" sz="3200" dirty="0">
               <a:latin typeface="Calibri" panose="020F0502020204030204" pitchFamily="34" charset="0"/>
             </a:rPr>
             <a:t>3. On Guess Enter</a:t>
@@ -1137,26 +1130,23 @@
         </a:p>
         <a:p>
           <a:r>
-            <a:rPr lang="en-US" sz="3200" dirty="0" smtClean="0">
+            <a:rPr lang="en-US" sz="3200" dirty="0">
               <a:latin typeface="Calibri" panose="020F0502020204030204" pitchFamily="34" charset="0"/>
             </a:rPr>
             <a:t>Convert string into </a:t>
           </a:r>
           <a:r>
-            <a:rPr lang="en-US" sz="3200" dirty="0" err="1" smtClean="0">
+            <a:rPr lang="en-US" sz="3200" dirty="0" err="1">
               <a:latin typeface="Calibri" panose="020F0502020204030204" pitchFamily="34" charset="0"/>
             </a:rPr>
             <a:t>JSMath</a:t>
           </a:r>
           <a:r>
-            <a:rPr lang="en-US" sz="3200" dirty="0" smtClean="0">
+            <a:rPr lang="en-US" sz="3200" dirty="0">
               <a:latin typeface="Calibri" panose="020F0502020204030204" pitchFamily="34" charset="0"/>
             </a:rPr>
             <a:t>, evaluate, and loop until the change is less than 0.001</a:t>
           </a:r>
-          <a:endParaRPr lang="en-US" sz="3200" dirty="0">
-            <a:latin typeface="Calibri" panose="020F0502020204030204" pitchFamily="34" charset="0"/>
-          </a:endParaRPr>
         </a:p>
       </dgm:t>
     </dgm:pt>
@@ -1190,14 +1180,11 @@
         <a:lstStyle/>
         <a:p>
           <a:r>
-            <a:rPr lang="en-US" sz="3600" dirty="0" smtClean="0">
+            <a:rPr lang="en-US" sz="3600" dirty="0">
               <a:latin typeface="Calibri" panose="020F0502020204030204" pitchFamily="34" charset="0"/>
             </a:rPr>
             <a:t>4. Display iterations and graph final answer</a:t>
           </a:r>
-          <a:endParaRPr lang="en-US" sz="3600" dirty="0">
-            <a:latin typeface="Calibri" panose="020F0502020204030204" pitchFamily="34" charset="0"/>
-          </a:endParaRPr>
         </a:p>
       </dgm:t>
     </dgm:pt>
@@ -1231,13 +1218,6 @@
         </dgm:presLayoutVars>
       </dgm:prSet>
       <dgm:spPr/>
-      <dgm:t>
-        <a:bodyPr/>
-        <a:lstStyle/>
-        <a:p>
-          <a:endParaRPr lang="en-US"/>
-        </a:p>
-      </dgm:t>
     </dgm:pt>
     <dgm:pt modelId="{C0D95CB0-AC20-483C-862F-1EB9BB710619}" type="pres">
       <dgm:prSet presAssocID="{E119776D-6D6B-4955-97C8-CAFE3AAAA9B9}" presName="node" presStyleLbl="node1" presStyleIdx="0" presStyleCnt="5" custScaleX="29829" custScaleY="18759" custLinFactNeighborX="9415" custLinFactNeighborY="-13967">
@@ -1246,35 +1226,14 @@
         </dgm:presLayoutVars>
       </dgm:prSet>
       <dgm:spPr/>
-      <dgm:t>
-        <a:bodyPr/>
-        <a:lstStyle/>
-        <a:p>
-          <a:endParaRPr lang="en-US"/>
-        </a:p>
-      </dgm:t>
     </dgm:pt>
     <dgm:pt modelId="{C76BDFC2-4902-4D91-B396-B4C6DF1742CF}" type="pres">
       <dgm:prSet presAssocID="{71511923-AF56-40C3-A72D-00D2F5EABD07}" presName="sibTrans" presStyleLbl="sibTrans1D1" presStyleIdx="0" presStyleCnt="4"/>
       <dgm:spPr/>
-      <dgm:t>
-        <a:bodyPr/>
-        <a:lstStyle/>
-        <a:p>
-          <a:endParaRPr lang="en-US"/>
-        </a:p>
-      </dgm:t>
     </dgm:pt>
     <dgm:pt modelId="{47BC438A-AFB4-47AE-9418-ACF3DCBF8053}" type="pres">
       <dgm:prSet presAssocID="{71511923-AF56-40C3-A72D-00D2F5EABD07}" presName="connectorText" presStyleLbl="sibTrans1D1" presStyleIdx="0" presStyleCnt="4"/>
       <dgm:spPr/>
-      <dgm:t>
-        <a:bodyPr/>
-        <a:lstStyle/>
-        <a:p>
-          <a:endParaRPr lang="en-US"/>
-        </a:p>
-      </dgm:t>
     </dgm:pt>
     <dgm:pt modelId="{53EDE23C-5AB3-47FA-89C5-F36E21C18445}" type="pres">
       <dgm:prSet presAssocID="{E459FDD5-555A-4760-8725-FF717C7BA94A}" presName="node" presStyleLbl="node1" presStyleIdx="1" presStyleCnt="5" custScaleX="17676" custScaleY="14512" custLinFactNeighborX="868" custLinFactNeighborY="-18596">
@@ -1283,35 +1242,14 @@
         </dgm:presLayoutVars>
       </dgm:prSet>
       <dgm:spPr/>
-      <dgm:t>
-        <a:bodyPr/>
-        <a:lstStyle/>
-        <a:p>
-          <a:endParaRPr lang="en-US"/>
-        </a:p>
-      </dgm:t>
     </dgm:pt>
     <dgm:pt modelId="{991BFDBB-4317-4433-B4BC-4CF1BEFFC245}" type="pres">
       <dgm:prSet presAssocID="{218586C6-4247-463D-9577-23135DED24E2}" presName="sibTrans" presStyleLbl="sibTrans1D1" presStyleIdx="1" presStyleCnt="4"/>
       <dgm:spPr/>
-      <dgm:t>
-        <a:bodyPr/>
-        <a:lstStyle/>
-        <a:p>
-          <a:endParaRPr lang="en-US"/>
-        </a:p>
-      </dgm:t>
     </dgm:pt>
     <dgm:pt modelId="{9CA49FFE-9502-4DC7-8B07-513E37A0F9FE}" type="pres">
       <dgm:prSet presAssocID="{218586C6-4247-463D-9577-23135DED24E2}" presName="connectorText" presStyleLbl="sibTrans1D1" presStyleIdx="1" presStyleCnt="4"/>
       <dgm:spPr/>
-      <dgm:t>
-        <a:bodyPr/>
-        <a:lstStyle/>
-        <a:p>
-          <a:endParaRPr lang="en-US"/>
-        </a:p>
-      </dgm:t>
     </dgm:pt>
     <dgm:pt modelId="{0085EAAD-3B32-4330-A72A-C0E46E4B3641}" type="pres">
       <dgm:prSet presAssocID="{9F5218A0-90F1-48B6-BB3F-DC122578A2EF}" presName="node" presStyleLbl="node1" presStyleIdx="2" presStyleCnt="5" custScaleX="24332" custScaleY="48327" custLinFactNeighborX="-19411" custLinFactNeighborY="22523">
@@ -1320,35 +1258,14 @@
         </dgm:presLayoutVars>
       </dgm:prSet>
       <dgm:spPr/>
-      <dgm:t>
-        <a:bodyPr/>
-        <a:lstStyle/>
-        <a:p>
-          <a:endParaRPr lang="en-US"/>
-        </a:p>
-      </dgm:t>
     </dgm:pt>
     <dgm:pt modelId="{3AE4E3FA-5D39-40BB-BAB0-E890BE0AFD2B}" type="pres">
       <dgm:prSet presAssocID="{ED4B80E9-C159-490E-B0A5-DDE2752589E1}" presName="sibTrans" presStyleLbl="sibTrans1D1" presStyleIdx="2" presStyleCnt="4"/>
       <dgm:spPr/>
-      <dgm:t>
-        <a:bodyPr/>
-        <a:lstStyle/>
-        <a:p>
-          <a:endParaRPr lang="en-US"/>
-        </a:p>
-      </dgm:t>
     </dgm:pt>
     <dgm:pt modelId="{355DCBBB-3421-4AE3-9BFA-63A2D798223A}" type="pres">
       <dgm:prSet presAssocID="{ED4B80E9-C159-490E-B0A5-DDE2752589E1}" presName="connectorText" presStyleLbl="sibTrans1D1" presStyleIdx="2" presStyleCnt="4"/>
       <dgm:spPr/>
-      <dgm:t>
-        <a:bodyPr/>
-        <a:lstStyle/>
-        <a:p>
-          <a:endParaRPr lang="en-US"/>
-        </a:p>
-      </dgm:t>
     </dgm:pt>
     <dgm:pt modelId="{59A92220-14CF-4443-9A54-DD98EC8CD689}" type="pres">
       <dgm:prSet presAssocID="{033C901F-3A78-45E3-B13C-03DBE9249778}" presName="node" presStyleLbl="node1" presStyleIdx="3" presStyleCnt="5" custScaleX="33642" custScaleY="45178" custLinFactNeighborX="2233" custLinFactNeighborY="-48467">
@@ -1357,35 +1274,14 @@
         </dgm:presLayoutVars>
       </dgm:prSet>
       <dgm:spPr/>
-      <dgm:t>
-        <a:bodyPr/>
-        <a:lstStyle/>
-        <a:p>
-          <a:endParaRPr lang="en-US"/>
-        </a:p>
-      </dgm:t>
     </dgm:pt>
     <dgm:pt modelId="{E29468FD-E079-4340-B989-979877FDE49F}" type="pres">
       <dgm:prSet presAssocID="{8E8FDDC5-D863-41D1-9F16-FE9869DF4EAF}" presName="sibTrans" presStyleLbl="sibTrans1D1" presStyleIdx="3" presStyleCnt="4"/>
       <dgm:spPr/>
-      <dgm:t>
-        <a:bodyPr/>
-        <a:lstStyle/>
-        <a:p>
-          <a:endParaRPr lang="en-US"/>
-        </a:p>
-      </dgm:t>
     </dgm:pt>
     <dgm:pt modelId="{6BFFAD14-45CF-4072-BEEC-3E29B0650A06}" type="pres">
       <dgm:prSet presAssocID="{8E8FDDC5-D863-41D1-9F16-FE9869DF4EAF}" presName="connectorText" presStyleLbl="sibTrans1D1" presStyleIdx="3" presStyleCnt="4"/>
       <dgm:spPr/>
-      <dgm:t>
-        <a:bodyPr/>
-        <a:lstStyle/>
-        <a:p>
-          <a:endParaRPr lang="en-US"/>
-        </a:p>
-      </dgm:t>
     </dgm:pt>
     <dgm:pt modelId="{77952285-0A1D-4036-88F2-19A1034DEC6B}" type="pres">
       <dgm:prSet presAssocID="{B98EC44E-79AA-4B56-869F-3FEF6AFB601F}" presName="node" presStyleLbl="node1" presStyleIdx="4" presStyleCnt="5" custScaleX="47367" custScaleY="33075" custLinFactNeighborX="-11786" custLinFactNeighborY="-6541">
@@ -1394,13 +1290,6 @@
         </dgm:presLayoutVars>
       </dgm:prSet>
       <dgm:spPr/>
-      <dgm:t>
-        <a:bodyPr/>
-        <a:lstStyle/>
-        <a:p>
-          <a:endParaRPr lang="en-US"/>
-        </a:p>
-      </dgm:t>
     </dgm:pt>
   </dgm:ptLst>
   <dgm:cxnLst>
@@ -1521,7 +1410,7 @@
         </a:bodyPr>
         <a:lstStyle/>
         <a:p>
-          <a:pPr lvl="0" algn="ctr" defTabSz="222250">
+          <a:pPr marL="0" lvl="0" indent="0" algn="ctr" defTabSz="222250">
             <a:lnSpc>
               <a:spcPct val="90000"/>
             </a:lnSpc>
@@ -1531,6 +1420,7 @@
             <a:spcAft>
               <a:spcPct val="35000"/>
             </a:spcAft>
+            <a:buNone/>
           </a:pPr>
           <a:endParaRPr lang="en-US" sz="500" kern="1200"/>
         </a:p>
@@ -1594,7 +1484,7 @@
         </a:bodyPr>
         <a:lstStyle/>
         <a:p>
-          <a:pPr lvl="0" algn="ctr" defTabSz="1600200">
+          <a:pPr marL="0" lvl="0" indent="0" algn="ctr" defTabSz="1600200">
             <a:lnSpc>
               <a:spcPct val="90000"/>
             </a:lnSpc>
@@ -1604,16 +1494,14 @@
             <a:spcAft>
               <a:spcPct val="35000"/>
             </a:spcAft>
+            <a:buNone/>
           </a:pPr>
           <a:r>
-            <a:rPr lang="en-US" sz="3600" kern="1200" dirty="0" smtClean="0">
+            <a:rPr lang="en-US" sz="3600" kern="1200" dirty="0">
               <a:latin typeface="Calibri" panose="020F0502020204030204" pitchFamily="34" charset="0"/>
             </a:rPr>
             <a:t>1. User enters text</a:t>
           </a:r>
-          <a:endParaRPr lang="en-US" sz="3600" kern="1200" dirty="0">
-            <a:latin typeface="Calibri" panose="020F0502020204030204" pitchFamily="34" charset="0"/>
-          </a:endParaRPr>
         </a:p>
       </dsp:txBody>
       <dsp:txXfrm>
@@ -1684,7 +1572,7 @@
         </a:bodyPr>
         <a:lstStyle/>
         <a:p>
-          <a:pPr lvl="0" algn="ctr" defTabSz="222250">
+          <a:pPr marL="0" lvl="0" indent="0" algn="ctr" defTabSz="222250">
             <a:lnSpc>
               <a:spcPct val="90000"/>
             </a:lnSpc>
@@ -1694,6 +1582,7 @@
             <a:spcAft>
               <a:spcPct val="35000"/>
             </a:spcAft>
+            <a:buNone/>
           </a:pPr>
           <a:endParaRPr lang="en-US" sz="500" kern="1200"/>
         </a:p>
@@ -1757,7 +1646,7 @@
         </a:bodyPr>
         <a:lstStyle/>
         <a:p>
-          <a:pPr lvl="0" algn="ctr" defTabSz="889000">
+          <a:pPr marL="0" lvl="0" indent="0" algn="ctr" defTabSz="889000">
             <a:lnSpc>
               <a:spcPct val="90000"/>
             </a:lnSpc>
@@ -1767,12 +1656,12 @@
             <a:spcAft>
               <a:spcPct val="35000"/>
             </a:spcAft>
+            <a:buNone/>
           </a:pPr>
           <a:r>
-            <a:rPr lang="en-US" sz="2000" kern="1200" dirty="0" smtClean="0"/>
+            <a:rPr lang="en-US" sz="2000" kern="1200" dirty="0"/>
             <a:t>Display styled function</a:t>
           </a:r>
-          <a:endParaRPr lang="en-US" sz="2000" kern="1200" dirty="0"/>
         </a:p>
       </dsp:txBody>
       <dsp:txXfrm>
@@ -1840,7 +1729,7 @@
         </a:bodyPr>
         <a:lstStyle/>
         <a:p>
-          <a:pPr lvl="0" algn="ctr" defTabSz="222250">
+          <a:pPr marL="0" lvl="0" indent="0" algn="ctr" defTabSz="222250">
             <a:lnSpc>
               <a:spcPct val="90000"/>
             </a:lnSpc>
@@ -1850,6 +1739,7 @@
             <a:spcAft>
               <a:spcPct val="35000"/>
             </a:spcAft>
+            <a:buNone/>
           </a:pPr>
           <a:endParaRPr lang="en-US" sz="500" kern="1200"/>
         </a:p>
@@ -1913,7 +1803,7 @@
         </a:bodyPr>
         <a:lstStyle/>
         <a:p>
-          <a:pPr lvl="0" algn="ctr" defTabSz="1600200">
+          <a:pPr marL="0" lvl="0" indent="0" algn="ctr" defTabSz="1600200">
             <a:lnSpc>
               <a:spcPct val="90000"/>
             </a:lnSpc>
@@ -1923,16 +1813,17 @@
             <a:spcAft>
               <a:spcPct val="35000"/>
             </a:spcAft>
+            <a:buNone/>
           </a:pPr>
           <a:r>
-            <a:rPr lang="en-US" sz="3600" kern="1200" dirty="0" smtClean="0">
+            <a:rPr lang="en-US" sz="3600" kern="1200" dirty="0">
               <a:latin typeface="Calibri" panose="020F0502020204030204" pitchFamily="34" charset="0"/>
             </a:rPr>
             <a:t>2. On Enter</a:t>
           </a:r>
         </a:p>
         <a:p>
-          <a:pPr lvl="0" algn="ctr" defTabSz="1600200">
+          <a:pPr marL="0" lvl="0" indent="0" algn="ctr" defTabSz="1600200">
             <a:lnSpc>
               <a:spcPct val="90000"/>
             </a:lnSpc>
@@ -1942,16 +1833,14 @@
             <a:spcAft>
               <a:spcPct val="35000"/>
             </a:spcAft>
+            <a:buNone/>
           </a:pPr>
           <a:r>
-            <a:rPr lang="en-US" sz="3600" kern="1200" dirty="0" smtClean="0">
+            <a:rPr lang="en-US" sz="3600" kern="1200" dirty="0">
               <a:latin typeface="Calibri" panose="020F0502020204030204" pitchFamily="34" charset="0"/>
             </a:rPr>
             <a:t>Display derivative, graph, and guess input box</a:t>
           </a:r>
-          <a:endParaRPr lang="en-US" sz="3600" kern="1200" dirty="0">
-            <a:latin typeface="Calibri" panose="020F0502020204030204" pitchFamily="34" charset="0"/>
-          </a:endParaRPr>
         </a:p>
       </dsp:txBody>
       <dsp:txXfrm>
@@ -2025,7 +1914,7 @@
         </a:bodyPr>
         <a:lstStyle/>
         <a:p>
-          <a:pPr lvl="0" algn="ctr" defTabSz="222250">
+          <a:pPr marL="0" lvl="0" indent="0" algn="ctr" defTabSz="222250">
             <a:lnSpc>
               <a:spcPct val="90000"/>
             </a:lnSpc>
@@ -2035,6 +1924,7 @@
             <a:spcAft>
               <a:spcPct val="35000"/>
             </a:spcAft>
+            <a:buNone/>
           </a:pPr>
           <a:endParaRPr lang="en-US" sz="500" kern="1200"/>
         </a:p>
@@ -2098,7 +1988,7 @@
         </a:bodyPr>
         <a:lstStyle/>
         <a:p>
-          <a:pPr lvl="0" algn="ctr" defTabSz="1422400">
+          <a:pPr marL="0" lvl="0" indent="0" algn="ctr" defTabSz="1422400">
             <a:lnSpc>
               <a:spcPct val="90000"/>
             </a:lnSpc>
@@ -2108,16 +1998,17 @@
             <a:spcAft>
               <a:spcPct val="35000"/>
             </a:spcAft>
+            <a:buNone/>
           </a:pPr>
           <a:r>
-            <a:rPr lang="en-US" sz="3200" kern="1200" dirty="0" smtClean="0">
+            <a:rPr lang="en-US" sz="3200" kern="1200" dirty="0">
               <a:latin typeface="Calibri" panose="020F0502020204030204" pitchFamily="34" charset="0"/>
             </a:rPr>
             <a:t>3. On Guess Enter</a:t>
           </a:r>
         </a:p>
         <a:p>
-          <a:pPr lvl="0" algn="ctr" defTabSz="1422400">
+          <a:pPr marL="0" lvl="0" indent="0" algn="ctr" defTabSz="1422400">
             <a:lnSpc>
               <a:spcPct val="90000"/>
             </a:lnSpc>
@@ -2127,28 +2018,26 @@
             <a:spcAft>
               <a:spcPct val="35000"/>
             </a:spcAft>
+            <a:buNone/>
           </a:pPr>
           <a:r>
-            <a:rPr lang="en-US" sz="3200" kern="1200" dirty="0" smtClean="0">
+            <a:rPr lang="en-US" sz="3200" kern="1200" dirty="0">
               <a:latin typeface="Calibri" panose="020F0502020204030204" pitchFamily="34" charset="0"/>
             </a:rPr>
             <a:t>Convert string into </a:t>
           </a:r>
           <a:r>
-            <a:rPr lang="en-US" sz="3200" kern="1200" dirty="0" err="1" smtClean="0">
+            <a:rPr lang="en-US" sz="3200" kern="1200" dirty="0" err="1">
               <a:latin typeface="Calibri" panose="020F0502020204030204" pitchFamily="34" charset="0"/>
             </a:rPr>
             <a:t>JSMath</a:t>
           </a:r>
           <a:r>
-            <a:rPr lang="en-US" sz="3200" kern="1200" dirty="0" smtClean="0">
+            <a:rPr lang="en-US" sz="3200" kern="1200" dirty="0">
               <a:latin typeface="Calibri" panose="020F0502020204030204" pitchFamily="34" charset="0"/>
             </a:rPr>
             <a:t>, evaluate, and loop until the change is less than 0.001</a:t>
           </a:r>
-          <a:endParaRPr lang="en-US" sz="3200" kern="1200" dirty="0">
-            <a:latin typeface="Calibri" panose="020F0502020204030204" pitchFamily="34" charset="0"/>
-          </a:endParaRPr>
         </a:p>
       </dsp:txBody>
       <dsp:txXfrm>
@@ -2210,7 +2099,7 @@
         </a:bodyPr>
         <a:lstStyle/>
         <a:p>
-          <a:pPr lvl="0" algn="ctr" defTabSz="1600200">
+          <a:pPr marL="0" lvl="0" indent="0" algn="ctr" defTabSz="1600200">
             <a:lnSpc>
               <a:spcPct val="90000"/>
             </a:lnSpc>
@@ -2220,16 +2109,14 @@
             <a:spcAft>
               <a:spcPct val="35000"/>
             </a:spcAft>
+            <a:buNone/>
           </a:pPr>
           <a:r>
-            <a:rPr lang="en-US" sz="3600" kern="1200" dirty="0" smtClean="0">
+            <a:rPr lang="en-US" sz="3600" kern="1200" dirty="0">
               <a:latin typeface="Calibri" panose="020F0502020204030204" pitchFamily="34" charset="0"/>
             </a:rPr>
             <a:t>4. Display iterations and graph final answer</a:t>
           </a:r>
-          <a:endParaRPr lang="en-US" sz="3600" kern="1200" dirty="0">
-            <a:latin typeface="Calibri" panose="020F0502020204030204" pitchFamily="34" charset="0"/>
-          </a:endParaRPr>
         </a:p>
       </dsp:txBody>
       <dsp:txXfrm>
@@ -12980,7 +12867,7 @@
               <a:buSzPct val="25000"/>
             </a:pPr>
             <a:r>
-              <a:rPr lang="en-US" sz="8000" b="0" i="0" u="none" strike="noStrike" cap="none" baseline="0" dirty="0" smtClean="0">
+              <a:rPr lang="en-US" sz="8000" b="0" i="0" u="none" strike="noStrike" cap="none" baseline="0" dirty="0">
                 <a:solidFill>
                   <a:schemeClr val="dk1"/>
                 </a:solidFill>
@@ -12992,7 +12879,7 @@
               <a:t>Newton's</a:t>
             </a:r>
             <a:r>
-              <a:rPr lang="en-US" sz="8000" dirty="0" smtClean="0">
+              <a:rPr lang="en-US" sz="8000" dirty="0">
                 <a:solidFill>
                   <a:schemeClr val="dk1"/>
                 </a:solidFill>
@@ -13002,18 +12889,6 @@
                 <a:sym typeface="Calibri"/>
               </a:rPr>
               <a:t> Method Calculator</a:t>
-            </a:r>
-            <a:r>
-              <a:rPr lang="en-US" sz="10000" b="0" i="0" u="none" strike="noStrike" cap="none" baseline="0" dirty="0">
-                <a:solidFill>
-                  <a:schemeClr val="dk1"/>
-                </a:solidFill>
-                <a:latin typeface="Calibri"/>
-                <a:ea typeface="Calibri"/>
-                <a:cs typeface="Calibri"/>
-                <a:sym typeface="Calibri"/>
-              </a:rPr>
-              <a:t/>
             </a:r>
             <a:br>
               <a:rPr lang="en-US" sz="10000" b="0" i="0" u="none" strike="noStrike" cap="none" baseline="0" dirty="0">
@@ -13030,13 +12905,7 @@
               <a:rPr lang="en-US" sz="5400" dirty="0">
                 <a:latin typeface="Calibri" panose="020F0502020204030204" pitchFamily="34" charset="0"/>
               </a:rPr>
-              <a:t>Cory </a:t>
-            </a:r>
-            <a:r>
-              <a:rPr lang="en-US" sz="5400" dirty="0" smtClean="0">
-                <a:latin typeface="Calibri" panose="020F0502020204030204" pitchFamily="34" charset="0"/>
-              </a:rPr>
-              <a:t>Lewis</a:t>
+              <a:t>Cory Lewis</a:t>
             </a:r>
             <a:r>
               <a:rPr lang="en-US" sz="4400" baseline="30000" dirty="0">
@@ -13045,7 +12914,7 @@
               <a:t> </a:t>
             </a:r>
             <a:r>
-              <a:rPr lang="en-US" sz="5400" dirty="0" smtClean="0">
+              <a:rPr lang="en-US" sz="5400" dirty="0">
                 <a:latin typeface="Calibri" panose="020F0502020204030204" pitchFamily="34" charset="0"/>
               </a:rPr>
               <a:t> and Rachel Owens</a:t>
@@ -13160,8 +13029,8 @@
         </p:nvSpPr>
         <p:spPr>
           <a:xfrm>
-            <a:off x="304800" y="14617675"/>
-            <a:ext cx="12420600" cy="3089275"/>
+            <a:off x="304799" y="14401800"/>
+            <a:ext cx="13555213" cy="3089275"/>
           </a:xfrm>
           <a:prstGeom prst="rect">
             <a:avLst/>
@@ -13195,29 +13064,8 @@
                 <a:cs typeface="Calibri"/>
                 <a:sym typeface="Calibri"/>
               </a:rPr>
-              <a:t>Gain exposure to </a:t>
+              <a:t>Gain exposure to JavaScript and jQuery.</a:t>
             </a:r>
-            <a:r>
-              <a:rPr lang="en-US" sz="3600" dirty="0" smtClean="0">
-                <a:solidFill>
-                  <a:schemeClr val="dk1"/>
-                </a:solidFill>
-                <a:latin typeface="Calibri"/>
-                <a:ea typeface="Calibri"/>
-                <a:cs typeface="Calibri"/>
-                <a:sym typeface="Calibri"/>
-              </a:rPr>
-              <a:t>JavaScript and JQuery</a:t>
-            </a:r>
-            <a:endParaRPr lang="en-US" sz="3600" dirty="0">
-              <a:solidFill>
-                <a:schemeClr val="dk1"/>
-              </a:solidFill>
-              <a:latin typeface="Calibri"/>
-              <a:ea typeface="Calibri"/>
-              <a:cs typeface="Calibri"/>
-              <a:sym typeface="Calibri"/>
-            </a:endParaRPr>
           </a:p>
           <a:p>
             <a:pPr marL="457200" lvl="0" indent="-457200">
@@ -13238,7 +13086,7 @@
                 <a:cs typeface="Calibri"/>
                 <a:sym typeface="Calibri"/>
               </a:rPr>
-              <a:t>Learn new skills and experience how programming is utilized</a:t>
+              <a:t>Learn new skills and experience the application development cycle.</a:t>
             </a:r>
           </a:p>
           <a:p>
@@ -13260,29 +13108,8 @@
                 <a:cs typeface="Calibri"/>
                 <a:sym typeface="Calibri"/>
               </a:rPr>
-              <a:t>Become familiar with </a:t>
+              <a:t>Become familiar with languages, programs, and existing libraries.</a:t>
             </a:r>
-            <a:r>
-              <a:rPr lang="en-US" sz="3600" dirty="0" smtClean="0">
-                <a:solidFill>
-                  <a:schemeClr val="dk1"/>
-                </a:solidFill>
-                <a:latin typeface="Calibri"/>
-                <a:ea typeface="Calibri"/>
-                <a:cs typeface="Calibri"/>
-                <a:sym typeface="Calibri"/>
-              </a:rPr>
-              <a:t>languages, programs, and libraries</a:t>
-            </a:r>
-            <a:endParaRPr lang="en-US" sz="3600" dirty="0">
-              <a:solidFill>
-                <a:schemeClr val="dk1"/>
-              </a:solidFill>
-              <a:latin typeface="Calibri"/>
-              <a:ea typeface="Calibri"/>
-              <a:cs typeface="Calibri"/>
-              <a:sym typeface="Calibri"/>
-            </a:endParaRPr>
           </a:p>
           <a:p>
             <a:pPr marL="457200" lvl="0" indent="-457200">
@@ -13303,7 +13130,7 @@
                 <a:cs typeface="Calibri"/>
                 <a:sym typeface="Calibri"/>
               </a:rPr>
-              <a:t>Design an efficient and effective program</a:t>
+              <a:t>Design an efficient, effective, and useful web application.</a:t>
             </a:r>
           </a:p>
           <a:p>
@@ -13315,18 +13142,6 @@
               <a:buFont typeface="Calibri"/>
               <a:buChar char="●"/>
             </a:pPr>
-            <a:r>
-              <a:rPr lang="en-US" sz="3600" dirty="0" smtClean="0">
-                <a:solidFill>
-                  <a:schemeClr val="dk1"/>
-                </a:solidFill>
-                <a:latin typeface="Calibri"/>
-                <a:ea typeface="Calibri"/>
-                <a:cs typeface="Calibri"/>
-                <a:sym typeface="Calibri"/>
-              </a:rPr>
-              <a:t>Complete an internship </a:t>
-            </a:r>
             <a:r>
               <a:rPr lang="en-US" sz="3600" dirty="0">
                 <a:solidFill>
@@ -13337,29 +13152,8 @@
                 <a:cs typeface="Calibri"/>
                 <a:sym typeface="Calibri"/>
               </a:rPr>
-              <a:t>with </a:t>
+              <a:t>Complete an internship with SURGE that focuses on the group experience.</a:t>
             </a:r>
-            <a:r>
-              <a:rPr lang="en-US" sz="3600" dirty="0" smtClean="0">
-                <a:solidFill>
-                  <a:schemeClr val="dk1"/>
-                </a:solidFill>
-                <a:latin typeface="Calibri"/>
-                <a:ea typeface="Calibri"/>
-                <a:cs typeface="Calibri"/>
-                <a:sym typeface="Calibri"/>
-              </a:rPr>
-              <a:t>SURGE</a:t>
-            </a:r>
-            <a:endParaRPr lang="en-US" sz="3600" dirty="0">
-              <a:solidFill>
-                <a:schemeClr val="dk1"/>
-              </a:solidFill>
-              <a:latin typeface="Calibri"/>
-              <a:ea typeface="Calibri"/>
-              <a:cs typeface="Calibri"/>
-              <a:sym typeface="Calibri"/>
-            </a:endParaRPr>
           </a:p>
         </p:txBody>
       </p:sp>
@@ -13397,22 +13191,13 @@
                   <a:buSzPct val="25000"/>
                 </a:pPr>
                 <a:r>
-                  <a:rPr lang="en-US" sz="3600" dirty="0" smtClean="0">
-                    <a:latin typeface="Calibri"/>
-                    <a:ea typeface="Calibri"/>
-                    <a:cs typeface="Calibri"/>
-                    <a:sym typeface="Calibri"/>
-                  </a:rPr>
-                  <a:t>Newton's </a:t>
-                </a:r>
-                <a:r>
                   <a:rPr lang="en-US" sz="3600" dirty="0">
                     <a:latin typeface="Calibri"/>
                     <a:ea typeface="Calibri"/>
                     <a:cs typeface="Calibri"/>
                     <a:sym typeface="Calibri"/>
                   </a:rPr>
-                  <a:t>method was first published in 1685 in A Treatise of Algebra both Historical and Practical by John Wallis. This method, discovered by Isaac Newton, is useful for finding solutions to equations involving difficult radicals or large exponents. Using a first guess at the root, the formula uses the function and its derivative to approximate the root, coming closer with each iteration.</a:t>
+                  <a:t>Newton's method was first published in 1685 in A Treatise of Algebra both Historical and Practical by John Wallis. This method, discovered by Isaac Newton, is useful for finding solutions to equations involving difficult radicals or large exponents. Using a first guess at the root, the formula uses the function and its derivative to approximate the root, coming closer with each iteration.</a:t>
                 </a:r>
               </a:p>
               <a:p>
@@ -13810,7 +13595,7 @@
               <a:buNone/>
             </a:pPr>
             <a:r>
-              <a:rPr lang="en-US" sz="4800" b="1" i="0" u="none" strike="noStrike" cap="none" baseline="0" dirty="0" smtClean="0">
+              <a:rPr lang="en-US" sz="4800" b="1" i="0" u="none" strike="noStrike" cap="none" baseline="0" dirty="0">
                 <a:solidFill>
                   <a:srgbClr val="000000"/>
                 </a:solidFill>
@@ -13821,15 +13606,6 @@
               </a:rPr>
               <a:t>Design Evolution</a:t>
             </a:r>
-            <a:endParaRPr lang="en-US" sz="4800" b="1" i="0" u="none" strike="noStrike" cap="none" baseline="0" dirty="0">
-              <a:solidFill>
-                <a:srgbClr val="000000"/>
-              </a:solidFill>
-              <a:latin typeface="Calibri"/>
-              <a:ea typeface="Calibri"/>
-              <a:cs typeface="Calibri"/>
-              <a:sym typeface="Calibri"/>
-            </a:endParaRPr>
           </a:p>
         </p:txBody>
       </p:sp>
@@ -13862,31 +13638,7 @@
               <a:rPr lang="en-US" sz="3600" dirty="0">
                 <a:latin typeface="Calibri" panose="020F0502020204030204" pitchFamily="34" charset="0"/>
               </a:rPr>
-              <a:t>Our project goal was to create a website that can quickly output an approximation to the root of a function using Newton’s Method, introduced in our Calculus class. This would allow for users to bypass the tedious work of performing dozens of iterations by hand. By writing this program, users can now enter a function and guess, and have the computer work through the iterations before presenting an answer. The difficulties in creating this program were </a:t>
-            </a:r>
-            <a:r>
-              <a:rPr lang="en-US" sz="3600" dirty="0" smtClean="0">
-                <a:latin typeface="Calibri" panose="020F0502020204030204" pitchFamily="34" charset="0"/>
-              </a:rPr>
-              <a:t>designing a loop to properly handle the iterations, as well as formatting the graph and </a:t>
-            </a:r>
-            <a:r>
-              <a:rPr lang="en-US" sz="3600" dirty="0" err="1" smtClean="0">
-                <a:latin typeface="Calibri" panose="020F0502020204030204" pitchFamily="34" charset="0"/>
-              </a:rPr>
-              <a:t>divs.</a:t>
-            </a:r>
-            <a:r>
-              <a:rPr lang="en-US" sz="3600" dirty="0" smtClean="0">
-                <a:latin typeface="Calibri" panose="020F0502020204030204" pitchFamily="34" charset="0"/>
-              </a:rPr>
-              <a:t> We </a:t>
-            </a:r>
-            <a:r>
-              <a:rPr lang="en-US" sz="3600" dirty="0">
-                <a:latin typeface="Calibri" panose="020F0502020204030204" pitchFamily="34" charset="0"/>
-              </a:rPr>
-              <a:t>found that a do-while loop for the heart of the math calculations worked well, and allowed for us to control the number of iterations using the exit conditions. The final website also includes a graph to make it easier for users to visualize the function.</a:t>
+              <a:t>Our project goal was to create a website that can quickly output an approximation to the root of a function using Newton’s Method, introduced in our Calculus class. This would allow for users to bypass the tedious work of performing dozens of iterations by hand. This unique program allows users to enter a function and guess, and have the computer work through the iterations before presenting an answer. The difficulties building this program included designing a loop to properly handle the iterations, as well as formatting the graph and web page. We found that a do-while loop for the heart of the math calculations worked well, and allowed for us to control the number of iterations using the exit conditions. The final website also includes a graph to make it easier for users to visualize the function and make a sound initial guess.</a:t>
             </a:r>
           </a:p>
         </p:txBody>
@@ -13899,7 +13651,7 @@
         </p:nvSpPr>
         <p:spPr>
           <a:xfrm>
-            <a:off x="148346" y="13293598"/>
+            <a:off x="148346" y="13106400"/>
             <a:ext cx="12961499" cy="1107900"/>
           </a:xfrm>
           <a:prstGeom prst="rect">
@@ -14031,7 +13783,7 @@
               <a:buNone/>
             </a:pPr>
             <a:r>
-              <a:rPr lang="en-US" sz="6600" b="0" i="0" u="none" strike="noStrike" cap="none" baseline="0" dirty="0" smtClean="0">
+              <a:rPr lang="en-US" sz="6600" b="0" i="0" u="none" strike="noStrike" cap="none" baseline="0" dirty="0">
                 <a:solidFill>
                   <a:srgbClr val="FFFFFF"/>
                 </a:solidFill>
@@ -14042,15 +13794,6 @@
               </a:rPr>
               <a:t>Background</a:t>
             </a:r>
-            <a:endParaRPr lang="en-US" sz="6600" b="0" i="0" u="none" strike="noStrike" cap="none" baseline="0" dirty="0">
-              <a:solidFill>
-                <a:srgbClr val="FFFFFF"/>
-              </a:solidFill>
-              <a:latin typeface="Calibri"/>
-              <a:ea typeface="Calibri"/>
-              <a:cs typeface="Calibri"/>
-              <a:sym typeface="Calibri"/>
-            </a:endParaRPr>
           </a:p>
         </p:txBody>
       </p:sp>
@@ -14174,7 +13917,7 @@
               <a:buNone/>
             </a:pPr>
             <a:r>
-              <a:rPr lang="en-US" sz="3600" u="sng" dirty="0" smtClean="0">
+              <a:rPr lang="en-US" sz="3600" u="sng" dirty="0">
                 <a:latin typeface="Calibri"/>
                 <a:ea typeface="Calibri"/>
                 <a:cs typeface="Calibri"/>
@@ -14182,7 +13925,7 @@
               </a:rPr>
               <a:t>Version 1.5</a:t>
             </a:r>
-            <a:endParaRPr lang="en-US" sz="3600" b="0" i="0" u="sng" strike="noStrike" cap="none" baseline="0" dirty="0" smtClean="0">
+            <a:endParaRPr lang="en-US" sz="3600" b="0" i="0" u="sng" strike="noStrike" cap="none" baseline="0" dirty="0">
               <a:solidFill>
                 <a:srgbClr val="000000"/>
               </a:solidFill>
@@ -14211,7 +13954,7 @@
               <a:buNone/>
             </a:pPr>
             <a:r>
-              <a:rPr lang="en-US" sz="3600" dirty="0" smtClean="0">
+              <a:rPr lang="en-US" sz="3600" dirty="0">
                 <a:latin typeface="Calibri"/>
                 <a:ea typeface="Calibri"/>
                 <a:cs typeface="Calibri"/>
@@ -14219,12 +13962,6 @@
               </a:rPr>
               <a:t>A blend of the concepts from the prototype and concepts from the final piece. Our prototype was only for quadratics, and had no graph. This next version included a graph and sliders to change the accuracy and precision of the output.</a:t>
             </a:r>
-            <a:endParaRPr lang="en-US" sz="3600" dirty="0">
-              <a:latin typeface="Calibri"/>
-              <a:ea typeface="Calibri"/>
-              <a:cs typeface="Calibri"/>
-              <a:sym typeface="Calibri"/>
-            </a:endParaRPr>
           </a:p>
         </p:txBody>
       </p:sp>
@@ -14271,7 +14008,7 @@
               <a:buNone/>
             </a:pPr>
             <a:r>
-              <a:rPr lang="en-US" sz="3600" u="sng" dirty="0" smtClean="0">
+              <a:rPr lang="en-US" sz="3600" u="sng" dirty="0">
                 <a:latin typeface="Calibri"/>
                 <a:ea typeface="Calibri"/>
                 <a:cs typeface="Calibri"/>
@@ -14279,7 +14016,7 @@
               </a:rPr>
               <a:t>Final Version</a:t>
             </a:r>
-            <a:endParaRPr lang="en-US" sz="3600" b="0" i="0" u="sng" strike="noStrike" cap="none" baseline="0" dirty="0" smtClean="0">
+            <a:endParaRPr lang="en-US" sz="3600" b="0" i="0" u="sng" strike="noStrike" cap="none" baseline="0" dirty="0">
               <a:solidFill>
                 <a:srgbClr val="000000"/>
               </a:solidFill>
@@ -14308,7 +14045,7 @@
               <a:buNone/>
             </a:pPr>
             <a:r>
-              <a:rPr lang="en-US" sz="3600" dirty="0" smtClean="0">
+              <a:rPr lang="en-US" sz="3600" dirty="0">
                 <a:latin typeface="Calibri"/>
                 <a:ea typeface="Calibri"/>
                 <a:cs typeface="Calibri"/>
@@ -14461,7 +14198,7 @@
               <a:buNone/>
             </a:pPr>
             <a:r>
-              <a:rPr lang="en-US" sz="6600" dirty="0" smtClean="0">
+              <a:rPr lang="en-US" sz="6600" dirty="0">
                 <a:solidFill>
                   <a:srgbClr val="FFFFFF"/>
                 </a:solidFill>
@@ -14586,13 +14323,22 @@
               <a:buSzPct val="25000"/>
             </a:pPr>
             <a:r>
-              <a:rPr lang="en-US" sz="3600" dirty="0" smtClean="0">
+              <a:rPr lang="en-US" sz="3600" dirty="0">
                 <a:latin typeface="Calibri"/>
                 <a:ea typeface="Calibri"/>
                 <a:cs typeface="Calibri"/>
                 <a:sym typeface="Calibri"/>
               </a:rPr>
-              <a:t>Funding </a:t>
+              <a:t>Funding for this project was provided by the College of the Sequoias SURGE program, which is funded by the US Department of Education MSEIP grant #P120A130106. Thanks to Calculus by </a:t>
+            </a:r>
+            <a:r>
+              <a:rPr lang="en-US" sz="3600" dirty="0" err="1">
+                <a:latin typeface="Calibri"/>
+                <a:ea typeface="Calibri"/>
+                <a:cs typeface="Calibri"/>
+                <a:sym typeface="Calibri"/>
+              </a:rPr>
+              <a:t>Antons</a:t>
             </a:r>
             <a:r>
               <a:rPr lang="en-US" sz="3600" dirty="0">
@@ -14601,46 +14347,10 @@
                 <a:cs typeface="Calibri"/>
                 <a:sym typeface="Calibri"/>
               </a:rPr>
-              <a:t>for this project was provided by the College of the Sequoias SURGE program, which is funded by the US Department of Education MSEIP grant #P120A130106</a:t>
-            </a:r>
-            <a:r>
-              <a:rPr lang="en-US" sz="3600" dirty="0" smtClean="0">
-                <a:latin typeface="Calibri"/>
-                <a:ea typeface="Calibri"/>
-                <a:cs typeface="Calibri"/>
-                <a:sym typeface="Calibri"/>
-              </a:rPr>
-              <a:t>. </a:t>
-            </a:r>
-            <a:r>
-              <a:rPr lang="en-US" sz="3600" dirty="0" smtClean="0">
-                <a:latin typeface="Calibri"/>
-                <a:ea typeface="Calibri"/>
-                <a:cs typeface="Calibri"/>
-                <a:sym typeface="Calibri"/>
-              </a:rPr>
-              <a:t>Thanks to Calculus by </a:t>
-            </a:r>
-            <a:r>
-              <a:rPr lang="en-US" sz="3600" dirty="0" err="1" smtClean="0">
-                <a:latin typeface="Calibri"/>
-                <a:ea typeface="Calibri"/>
-                <a:cs typeface="Calibri"/>
-                <a:sym typeface="Calibri"/>
-              </a:rPr>
-              <a:t>Antons</a:t>
-            </a:r>
-            <a:r>
-              <a:rPr lang="en-US" sz="3600" dirty="0" smtClean="0">
-                <a:latin typeface="Calibri"/>
-                <a:ea typeface="Calibri"/>
-                <a:cs typeface="Calibri"/>
-                <a:sym typeface="Calibri"/>
-              </a:rPr>
               <a:t>, </a:t>
             </a:r>
             <a:r>
-              <a:rPr lang="en-US" sz="3600" dirty="0" err="1" smtClean="0">
+              <a:rPr lang="en-US" sz="3600" dirty="0" err="1">
                 <a:latin typeface="Calibri"/>
                 <a:ea typeface="Calibri"/>
                 <a:cs typeface="Calibri"/>
@@ -14649,43 +14359,19 @@
               <a:t>Bivens</a:t>
             </a:r>
             <a:r>
-              <a:rPr lang="en-US" sz="3600" dirty="0" smtClean="0">
+              <a:rPr lang="en-US" sz="3600" dirty="0">
                 <a:latin typeface="Calibri"/>
                 <a:ea typeface="Calibri"/>
                 <a:cs typeface="Calibri"/>
                 <a:sym typeface="Calibri"/>
               </a:rPr>
-              <a:t>, and Davis for Figure #1. </a:t>
+              <a:t>, and Davis for Figure #1. Special thanks to our advisor, Mr. Redden, for his knowledge and help.</a:t>
             </a:r>
-            <a:r>
-              <a:rPr lang="en-US" sz="3600" dirty="0" smtClean="0">
-                <a:latin typeface="Calibri"/>
-                <a:ea typeface="Calibri"/>
-                <a:cs typeface="Calibri"/>
-                <a:sym typeface="Calibri"/>
-              </a:rPr>
-              <a:t>Special </a:t>
-            </a:r>
-            <a:r>
-              <a:rPr lang="en-US" sz="3600" dirty="0" smtClean="0">
-                <a:latin typeface="Calibri"/>
-                <a:ea typeface="Calibri"/>
-                <a:cs typeface="Calibri"/>
-                <a:sym typeface="Calibri"/>
-              </a:rPr>
-              <a:t>thanks to our advisor, Mr. Redden, for his knowledge and help.</a:t>
-            </a:r>
-            <a:endParaRPr lang="en-US" sz="3600" dirty="0">
-              <a:latin typeface="Calibri"/>
-              <a:ea typeface="Calibri"/>
-              <a:cs typeface="Calibri"/>
-              <a:sym typeface="Calibri"/>
-            </a:endParaRPr>
           </a:p>
         </p:txBody>
       </p:sp>
-      <mc:AlternateContent xmlns:mc="http://schemas.openxmlformats.org/markup-compatibility/2006" xmlns:a14="http://schemas.microsoft.com/office/drawing/2010/main">
-        <mc:Choice Requires="a14">
+      <mc:AlternateContent xmlns:mc="http://schemas.openxmlformats.org/markup-compatibility/2006">
+        <mc:Choice xmlns:a14="http://schemas.microsoft.com/office/drawing/2010/main" Requires="a14">
           <p:sp>
             <p:nvSpPr>
               <p:cNvPr id="105" name="Shape 105"/>
@@ -14718,18 +14404,6 @@
                   <a:buSzPct val="25000"/>
                 </a:pPr>
                 <a:r>
-                  <a:rPr lang="en-US" sz="3600" dirty="0" smtClean="0">
-                    <a:solidFill>
-                      <a:schemeClr val="tx1"/>
-                    </a:solidFill>
-                    <a:latin typeface="Calibri" panose="020F0502020204030204" pitchFamily="34" charset="0"/>
-                    <a:ea typeface="Calibri"/>
-                    <a:cs typeface="Times New Roman" pitchFamily="18" charset="0"/>
-                    <a:sym typeface="Calibri"/>
-                  </a:rPr>
-                  <a:t>Before doing all calculations for Newton’s method there are a few required JavaScript </a:t>
-                </a:r>
-                <a:r>
                   <a:rPr lang="en-US" sz="3600" dirty="0">
                     <a:solidFill>
                       <a:schemeClr val="tx1"/>
@@ -14739,7 +14413,7 @@
                     <a:cs typeface="Times New Roman" pitchFamily="18" charset="0"/>
                     <a:sym typeface="Calibri"/>
                   </a:rPr>
-                  <a:t>plugins to make the app complete.</a:t>
+                  <a:t>Before doing all calculations for Newton’s method there are a few required JavaScript plugins to make the app complete.</a:t>
                 </a:r>
               </a:p>
               <a:p>
@@ -14778,53 +14452,8 @@
                     <a:cs typeface="Times New Roman" pitchFamily="18" charset="0"/>
                     <a:sym typeface="Calibri"/>
                   </a:rPr>
-                  <a:t>Bootstrap </a:t>
+                  <a:t>Bootstrap (Used for Styling)</a:t>
                 </a:r>
-                <a:r>
-                  <a:rPr lang="en-US" sz="3600" dirty="0" err="1">
-                    <a:solidFill>
-                      <a:schemeClr val="tx1"/>
-                    </a:solidFill>
-                    <a:latin typeface="Calibri" panose="020F0502020204030204" pitchFamily="34" charset="0"/>
-                    <a:ea typeface="Calibri"/>
-                    <a:cs typeface="Times New Roman" pitchFamily="18" charset="0"/>
-                    <a:sym typeface="Calibri"/>
-                  </a:rPr>
-                  <a:t>cdn</a:t>
-                </a:r>
-                <a:r>
-                  <a:rPr lang="en-US" sz="3600" dirty="0">
-                    <a:solidFill>
-                      <a:schemeClr val="tx1"/>
-                    </a:solidFill>
-                    <a:latin typeface="Calibri" panose="020F0502020204030204" pitchFamily="34" charset="0"/>
-                    <a:ea typeface="Calibri"/>
-                    <a:cs typeface="Times New Roman" pitchFamily="18" charset="0"/>
-                    <a:sym typeface="Calibri"/>
-                  </a:rPr>
-                  <a:t> (Used for Styling</a:t>
-                </a:r>
-                <a:r>
-                  <a:rPr lang="en-US" sz="3600" dirty="0" smtClean="0">
-                    <a:solidFill>
-                      <a:schemeClr val="tx1"/>
-                    </a:solidFill>
-                    <a:latin typeface="Calibri" panose="020F0502020204030204" pitchFamily="34" charset="0"/>
-                    <a:ea typeface="Calibri"/>
-                    <a:cs typeface="Times New Roman" pitchFamily="18" charset="0"/>
-                    <a:sym typeface="Calibri"/>
-                  </a:rPr>
-                  <a:t>)</a:t>
-                </a:r>
-                <a:endParaRPr lang="en-US" sz="3600" dirty="0">
-                  <a:solidFill>
-                    <a:schemeClr val="tx1"/>
-                  </a:solidFill>
-                  <a:latin typeface="Calibri" panose="020F0502020204030204" pitchFamily="34" charset="0"/>
-                  <a:ea typeface="Calibri"/>
-                  <a:cs typeface="Times New Roman" pitchFamily="18" charset="0"/>
-                  <a:sym typeface="Calibri"/>
-                </a:endParaRPr>
               </a:p>
               <a:p>
                 <a:pPr marL="571500" lvl="0" indent="-571500">
@@ -14857,31 +14486,7 @@
                     <a:cs typeface="Times New Roman" pitchFamily="18" charset="0"/>
                     <a:sym typeface="Calibri"/>
                   </a:rPr>
-                  <a:t> </a:t>
-                </a:r>
-                <a:r>
-                  <a:rPr lang="en-US" sz="3600" dirty="0" err="1">
-                    <a:solidFill>
-                      <a:schemeClr val="tx1"/>
-                    </a:solidFill>
-                    <a:latin typeface="Calibri" panose="020F0502020204030204" pitchFamily="34" charset="0"/>
-                    <a:ea typeface="Calibri"/>
-                    <a:cs typeface="Times New Roman" pitchFamily="18" charset="0"/>
-                    <a:sym typeface="Calibri"/>
-                  </a:rPr>
-                  <a:t>cdn</a:t>
-                </a:r>
-                <a:r>
-                  <a:rPr lang="en-US" sz="3600" dirty="0">
-                    <a:solidFill>
-                      <a:schemeClr val="tx1"/>
-                    </a:solidFill>
-                    <a:latin typeface="Calibri" panose="020F0502020204030204" pitchFamily="34" charset="0"/>
-                    <a:ea typeface="Calibri"/>
-                    <a:cs typeface="Times New Roman" pitchFamily="18" charset="0"/>
-                    <a:sym typeface="Calibri"/>
-                  </a:rPr>
-                  <a:t> (converts </a:t>
+                  <a:t>  (converts </a:t>
                 </a:r>
                 <a14:m>
                   <m:oMath xmlns:m="http://schemas.openxmlformats.org/officeDocument/2006/math">
@@ -14945,53 +14550,8 @@
                     <a:cs typeface="Times New Roman" pitchFamily="18" charset="0"/>
                     <a:sym typeface="Calibri"/>
                   </a:rPr>
-                  <a:t>into </a:t>
+                  <a:t>into “pretty” styled math)</a:t>
                 </a:r>
-                <a:r>
-                  <a:rPr lang="en-US" sz="3600" dirty="0" smtClean="0">
-                    <a:solidFill>
-                      <a:schemeClr val="tx1"/>
-                    </a:solidFill>
-                    <a:latin typeface="Calibri" panose="020F0502020204030204" pitchFamily="34" charset="0"/>
-                    <a:ea typeface="Calibri"/>
-                    <a:cs typeface="Times New Roman" pitchFamily="18" charset="0"/>
-                    <a:sym typeface="Calibri"/>
-                  </a:rPr>
-                  <a:t>“pretty” styled </a:t>
-                </a:r>
-                <a:r>
-                  <a:rPr lang="en-US" sz="3600" dirty="0">
-                    <a:solidFill>
-                      <a:schemeClr val="tx1"/>
-                    </a:solidFill>
-                    <a:latin typeface="Calibri" panose="020F0502020204030204" pitchFamily="34" charset="0"/>
-                    <a:ea typeface="Calibri"/>
-                    <a:cs typeface="Times New Roman" pitchFamily="18" charset="0"/>
-                    <a:sym typeface="Calibri"/>
-                  </a:rPr>
-                  <a:t>math</a:t>
-                </a:r>
-                <a:r>
-                  <a:rPr lang="en-US" sz="3600" dirty="0" smtClean="0">
-                    <a:solidFill>
-                      <a:schemeClr val="tx1"/>
-                    </a:solidFill>
-                    <a:latin typeface="Calibri" panose="020F0502020204030204" pitchFamily="34" charset="0"/>
-                    <a:ea typeface="Calibri"/>
-                    <a:cs typeface="Times New Roman" pitchFamily="18" charset="0"/>
-                    <a:sym typeface="Calibri"/>
-                  </a:rPr>
-                  <a:t>)</a:t>
-                </a:r>
-                <a:endParaRPr lang="en-US" sz="3600" dirty="0">
-                  <a:solidFill>
-                    <a:schemeClr val="tx1"/>
-                  </a:solidFill>
-                  <a:latin typeface="Calibri" panose="020F0502020204030204" pitchFamily="34" charset="0"/>
-                  <a:ea typeface="Calibri"/>
-                  <a:cs typeface="Times New Roman" pitchFamily="18" charset="0"/>
-                  <a:sym typeface="Calibri"/>
-                </a:endParaRPr>
               </a:p>
               <a:p>
                 <a:pPr marL="571500" lvl="0" indent="-571500">
@@ -15024,29 +14584,8 @@
                     <a:cs typeface="Times New Roman" pitchFamily="18" charset="0"/>
                     <a:sym typeface="Calibri"/>
                   </a:rPr>
-                  <a:t> ( Takes </a:t>
+                  <a:t> ( Takes derivative using function string)</a:t>
                 </a:r>
-                <a:r>
-                  <a:rPr lang="en-US" sz="3600" dirty="0" smtClean="0">
-                    <a:solidFill>
-                      <a:schemeClr val="tx1"/>
-                    </a:solidFill>
-                    <a:latin typeface="Calibri" panose="020F0502020204030204" pitchFamily="34" charset="0"/>
-                    <a:ea typeface="Calibri"/>
-                    <a:cs typeface="Times New Roman" pitchFamily="18" charset="0"/>
-                    <a:sym typeface="Calibri"/>
-                  </a:rPr>
-                  <a:t>derivative using function string)</a:t>
-                </a:r>
-                <a:endParaRPr lang="en-US" sz="3600" dirty="0">
-                  <a:solidFill>
-                    <a:schemeClr val="tx1"/>
-                  </a:solidFill>
-                  <a:latin typeface="Calibri" panose="020F0502020204030204" pitchFamily="34" charset="0"/>
-                  <a:ea typeface="Calibri"/>
-                  <a:cs typeface="Times New Roman" pitchFamily="18" charset="0"/>
-                  <a:sym typeface="Calibri"/>
-                </a:endParaRPr>
               </a:p>
               <a:p>
                 <a:pPr marL="571500" lvl="0" indent="-571500">
@@ -15134,7 +14673,7 @@
                   </m:oMath>
                 </a14:m>
                 <a:r>
-                  <a:rPr lang="en-US" sz="3600" dirty="0" smtClean="0">
+                  <a:rPr lang="en-US" sz="3600" dirty="0">
                     <a:solidFill>
                       <a:schemeClr val="tx1"/>
                     </a:solidFill>
@@ -15145,15 +14684,6 @@
                   </a:rPr>
                   <a:t>)</a:t>
                 </a:r>
-                <a:endParaRPr lang="en-US" sz="3600" dirty="0">
-                  <a:solidFill>
-                    <a:schemeClr val="tx1"/>
-                  </a:solidFill>
-                  <a:latin typeface="Calibri" panose="020F0502020204030204" pitchFamily="34" charset="0"/>
-                  <a:ea typeface="Calibri"/>
-                  <a:cs typeface="Times New Roman" pitchFamily="18" charset="0"/>
-                  <a:sym typeface="Calibri"/>
-                </a:endParaRPr>
               </a:p>
               <a:p>
                 <a:pPr marL="571500" lvl="0" indent="-571500">
@@ -15165,30 +14695,6 @@
                   <a:buChar char="•"/>
                 </a:pPr>
                 <a:r>
-                  <a:rPr lang="en-US" sz="3600" dirty="0" err="1" smtClean="0">
-                    <a:solidFill>
-                      <a:schemeClr val="tx1"/>
-                    </a:solidFill>
-                    <a:latin typeface="Calibri" panose="020F0502020204030204" pitchFamily="34" charset="0"/>
-                    <a:ea typeface="Calibri"/>
-                    <a:cs typeface="Times New Roman" pitchFamily="18" charset="0"/>
-                    <a:sym typeface="Calibri"/>
-                  </a:rPr>
-                  <a:t>Jquery</a:t>
-                </a:r>
-                <a:r>
-                  <a:rPr lang="en-US" sz="3600" dirty="0" smtClean="0">
-                    <a:solidFill>
-                      <a:schemeClr val="tx1"/>
-                    </a:solidFill>
-                    <a:latin typeface="Calibri" panose="020F0502020204030204" pitchFamily="34" charset="0"/>
-                    <a:ea typeface="Calibri"/>
-                    <a:cs typeface="Times New Roman" pitchFamily="18" charset="0"/>
-                    <a:sym typeface="Calibri"/>
-                  </a:rPr>
-                  <a:t> (more efficient </a:t>
-                </a:r>
-                <a:r>
                   <a:rPr lang="en-US" sz="3600" dirty="0">
                     <a:solidFill>
                       <a:schemeClr val="tx1"/>
@@ -15198,29 +14704,8 @@
                     <a:cs typeface="Times New Roman" pitchFamily="18" charset="0"/>
                     <a:sym typeface="Calibri"/>
                   </a:rPr>
-                  <a:t>version of </a:t>
+                  <a:t>jQuery (Simplifies JavaScript when working with the DOM)</a:t>
                 </a:r>
-                <a:r>
-                  <a:rPr lang="en-US" sz="3600" dirty="0" smtClean="0">
-                    <a:solidFill>
-                      <a:schemeClr val="tx1"/>
-                    </a:solidFill>
-                    <a:latin typeface="Calibri" panose="020F0502020204030204" pitchFamily="34" charset="0"/>
-                    <a:ea typeface="Calibri"/>
-                    <a:cs typeface="Times New Roman" pitchFamily="18" charset="0"/>
-                    <a:sym typeface="Calibri"/>
-                  </a:rPr>
-                  <a:t>JavaScript)</a:t>
-                </a:r>
-                <a:endParaRPr lang="en-US" sz="3600" dirty="0">
-                  <a:solidFill>
-                    <a:schemeClr val="tx1"/>
-                  </a:solidFill>
-                  <a:latin typeface="Calibri" panose="020F0502020204030204" pitchFamily="34" charset="0"/>
-                  <a:ea typeface="Calibri"/>
-                  <a:cs typeface="Times New Roman" pitchFamily="18" charset="0"/>
-                  <a:sym typeface="Calibri"/>
-                </a:endParaRPr>
               </a:p>
               <a:p>
                 <a:pPr lvl="0">
@@ -15239,7 +14724,7 @@
             </p:txBody>
           </p:sp>
         </mc:Choice>
-        <mc:Fallback xmlns="">
+        <mc:Fallback>
           <p:sp>
             <p:nvSpPr>
               <p:cNvPr id="105" name="Shape 105"/>
@@ -15256,7 +14741,7 @@
               <a:prstGeom prst="rect">
                 <a:avLst/>
               </a:prstGeom>
-              <a:blipFill rotWithShape="0">
+              <a:blipFill>
                 <a:blip r:embed="rId5"/>
                 <a:stretch>
                   <a:fillRect l="-1406" t="-955"/>
@@ -15512,7 +14997,7 @@
               <a:buNone/>
             </a:pPr>
             <a:r>
-              <a:rPr lang="en-US" sz="6600" dirty="0" smtClean="0">
+              <a:rPr lang="en-US" sz="6600" dirty="0">
                 <a:solidFill>
                   <a:srgbClr val="FFFFFF"/>
                 </a:solidFill>
@@ -15567,58 +15052,13 @@
               <a:buSzPct val="25000"/>
             </a:pPr>
             <a:r>
-              <a:rPr lang="en-US" sz="3600" dirty="0" smtClean="0">
-                <a:latin typeface="Calibri"/>
-                <a:ea typeface="Calibri"/>
-                <a:cs typeface="Calibri"/>
-                <a:sym typeface="Calibri"/>
-              </a:rPr>
-              <a:t>We succeeded in programming a website that uses Newton’s method to approximate roots. While we met our goal of outputting the iterations of answers, we were also able to add an interactive graph to give a visual aid for users. </a:t>
-            </a:r>
-            <a:r>
               <a:rPr lang="en-US" sz="3600" dirty="0">
                 <a:latin typeface="Calibri"/>
                 <a:ea typeface="Calibri"/>
                 <a:cs typeface="Calibri"/>
                 <a:sym typeface="Calibri"/>
               </a:rPr>
-              <a:t>This experience allowed us to expand our knowledge of </a:t>
-            </a:r>
-            <a:r>
-              <a:rPr lang="en-US" sz="3600" dirty="0" smtClean="0">
-                <a:latin typeface="Calibri"/>
-                <a:ea typeface="Calibri"/>
-                <a:cs typeface="Calibri"/>
-                <a:sym typeface="Calibri"/>
-              </a:rPr>
-              <a:t>programming languages and libraries. We </a:t>
-            </a:r>
-            <a:r>
-              <a:rPr lang="en-US" sz="3600" dirty="0">
-                <a:latin typeface="Calibri"/>
-                <a:ea typeface="Calibri"/>
-                <a:cs typeface="Calibri"/>
-                <a:sym typeface="Calibri"/>
-              </a:rPr>
-              <a:t>further reinforced our understanding of </a:t>
-            </a:r>
-            <a:r>
-              <a:rPr lang="en-US" sz="3600" dirty="0" smtClean="0">
-                <a:latin typeface="Calibri"/>
-                <a:ea typeface="Calibri"/>
-                <a:cs typeface="Calibri"/>
-                <a:sym typeface="Calibri"/>
-              </a:rPr>
-              <a:t>programming websites through </a:t>
-            </a:r>
-            <a:r>
-              <a:rPr lang="en-US" sz="3600" dirty="0">
-                <a:latin typeface="Calibri"/>
-                <a:ea typeface="Calibri"/>
-                <a:cs typeface="Calibri"/>
-                <a:sym typeface="Calibri"/>
-              </a:rPr>
-              <a:t>the process of developing our own.</a:t>
+              <a:t>We succeeded in programming a web application that uses Newton’s method to approximate roots. While we met our goal of outputting the iterations of answers, we were also able to add an interactive graph to give a visual aid for users. This experience allowed us to expand our knowledge of programming languages and libraries. We further reinforced our understanding of programming web apps through the process of developing our own.</a:t>
             </a:r>
           </a:p>
           <a:p>
@@ -15708,7 +15148,7 @@
               <a:buNone/>
             </a:pPr>
             <a:r>
-              <a:rPr lang="en-US" sz="4800" b="1" i="0" u="none" strike="noStrike" cap="none" baseline="0" dirty="0" smtClean="0">
+              <a:rPr lang="en-US" sz="4800" b="1" i="0" u="none" strike="noStrike" cap="none" baseline="0" dirty="0">
                 <a:solidFill>
                   <a:srgbClr val="000000"/>
                 </a:solidFill>
@@ -15719,15 +15159,6 @@
               </a:rPr>
               <a:t>Program Flow</a:t>
             </a:r>
-            <a:endParaRPr lang="en-US" sz="4800" b="1" i="0" u="none" strike="noStrike" cap="none" baseline="0" dirty="0">
-              <a:solidFill>
-                <a:srgbClr val="000000"/>
-              </a:solidFill>
-              <a:latin typeface="Calibri"/>
-              <a:ea typeface="Calibri"/>
-              <a:cs typeface="Calibri"/>
-              <a:sym typeface="Calibri"/>
-            </a:endParaRPr>
           </a:p>
         </p:txBody>
       </p:sp>
@@ -15805,14 +15236,11 @@
           <a:lstStyle/>
           <a:p>
             <a:r>
-              <a:rPr lang="en-US" sz="2800" dirty="0" smtClean="0">
+              <a:rPr lang="en-US" sz="2800" dirty="0">
                 <a:latin typeface="Century Schoolbook" panose="02040604050505020304" pitchFamily="18" charset="0"/>
               </a:rPr>
               <a:t>Figure 1</a:t>
             </a:r>
-            <a:endParaRPr lang="en-US" sz="2800" dirty="0">
-              <a:latin typeface="Century Schoolbook" panose="02040604050505020304" pitchFamily="18" charset="0"/>
-            </a:endParaRPr>
           </a:p>
         </p:txBody>
       </p:sp>

--- a/Newton's Method Poster.pptx
+++ b/Newton's Method Poster.pptx
@@ -1218,6 +1218,13 @@
         </dgm:presLayoutVars>
       </dgm:prSet>
       <dgm:spPr/>
+      <dgm:t>
+        <a:bodyPr/>
+        <a:lstStyle/>
+        <a:p>
+          <a:endParaRPr lang="en-US"/>
+        </a:p>
+      </dgm:t>
     </dgm:pt>
     <dgm:pt modelId="{C0D95CB0-AC20-483C-862F-1EB9BB710619}" type="pres">
       <dgm:prSet presAssocID="{E119776D-6D6B-4955-97C8-CAFE3AAAA9B9}" presName="node" presStyleLbl="node1" presStyleIdx="0" presStyleCnt="5" custScaleX="29829" custScaleY="18759" custLinFactNeighborX="9415" custLinFactNeighborY="-13967">
@@ -1226,14 +1233,35 @@
         </dgm:presLayoutVars>
       </dgm:prSet>
       <dgm:spPr/>
+      <dgm:t>
+        <a:bodyPr/>
+        <a:lstStyle/>
+        <a:p>
+          <a:endParaRPr lang="en-US"/>
+        </a:p>
+      </dgm:t>
     </dgm:pt>
     <dgm:pt modelId="{C76BDFC2-4902-4D91-B396-B4C6DF1742CF}" type="pres">
       <dgm:prSet presAssocID="{71511923-AF56-40C3-A72D-00D2F5EABD07}" presName="sibTrans" presStyleLbl="sibTrans1D1" presStyleIdx="0" presStyleCnt="4"/>
       <dgm:spPr/>
+      <dgm:t>
+        <a:bodyPr/>
+        <a:lstStyle/>
+        <a:p>
+          <a:endParaRPr lang="en-US"/>
+        </a:p>
+      </dgm:t>
     </dgm:pt>
     <dgm:pt modelId="{47BC438A-AFB4-47AE-9418-ACF3DCBF8053}" type="pres">
       <dgm:prSet presAssocID="{71511923-AF56-40C3-A72D-00D2F5EABD07}" presName="connectorText" presStyleLbl="sibTrans1D1" presStyleIdx="0" presStyleCnt="4"/>
       <dgm:spPr/>
+      <dgm:t>
+        <a:bodyPr/>
+        <a:lstStyle/>
+        <a:p>
+          <a:endParaRPr lang="en-US"/>
+        </a:p>
+      </dgm:t>
     </dgm:pt>
     <dgm:pt modelId="{53EDE23C-5AB3-47FA-89C5-F36E21C18445}" type="pres">
       <dgm:prSet presAssocID="{E459FDD5-555A-4760-8725-FF717C7BA94A}" presName="node" presStyleLbl="node1" presStyleIdx="1" presStyleCnt="5" custScaleX="17676" custScaleY="14512" custLinFactNeighborX="868" custLinFactNeighborY="-18596">
@@ -1242,30 +1270,72 @@
         </dgm:presLayoutVars>
       </dgm:prSet>
       <dgm:spPr/>
+      <dgm:t>
+        <a:bodyPr/>
+        <a:lstStyle/>
+        <a:p>
+          <a:endParaRPr lang="en-US"/>
+        </a:p>
+      </dgm:t>
     </dgm:pt>
     <dgm:pt modelId="{991BFDBB-4317-4433-B4BC-4CF1BEFFC245}" type="pres">
       <dgm:prSet presAssocID="{218586C6-4247-463D-9577-23135DED24E2}" presName="sibTrans" presStyleLbl="sibTrans1D1" presStyleIdx="1" presStyleCnt="4"/>
       <dgm:spPr/>
+      <dgm:t>
+        <a:bodyPr/>
+        <a:lstStyle/>
+        <a:p>
+          <a:endParaRPr lang="en-US"/>
+        </a:p>
+      </dgm:t>
     </dgm:pt>
     <dgm:pt modelId="{9CA49FFE-9502-4DC7-8B07-513E37A0F9FE}" type="pres">
       <dgm:prSet presAssocID="{218586C6-4247-463D-9577-23135DED24E2}" presName="connectorText" presStyleLbl="sibTrans1D1" presStyleIdx="1" presStyleCnt="4"/>
       <dgm:spPr/>
+      <dgm:t>
+        <a:bodyPr/>
+        <a:lstStyle/>
+        <a:p>
+          <a:endParaRPr lang="en-US"/>
+        </a:p>
+      </dgm:t>
     </dgm:pt>
     <dgm:pt modelId="{0085EAAD-3B32-4330-A72A-C0E46E4B3641}" type="pres">
-      <dgm:prSet presAssocID="{9F5218A0-90F1-48B6-BB3F-DC122578A2EF}" presName="node" presStyleLbl="node1" presStyleIdx="2" presStyleCnt="5" custScaleX="24332" custScaleY="48327" custLinFactNeighborX="-19411" custLinFactNeighborY="22523">
+      <dgm:prSet presAssocID="{9F5218A0-90F1-48B6-BB3F-DC122578A2EF}" presName="node" presStyleLbl="node1" presStyleIdx="2" presStyleCnt="5" custScaleX="24332" custScaleY="50510" custLinFactNeighborX="-19411" custLinFactNeighborY="22523">
         <dgm:presLayoutVars>
           <dgm:bulletEnabled val="1"/>
         </dgm:presLayoutVars>
       </dgm:prSet>
       <dgm:spPr/>
+      <dgm:t>
+        <a:bodyPr/>
+        <a:lstStyle/>
+        <a:p>
+          <a:endParaRPr lang="en-US"/>
+        </a:p>
+      </dgm:t>
     </dgm:pt>
     <dgm:pt modelId="{3AE4E3FA-5D39-40BB-BAB0-E890BE0AFD2B}" type="pres">
       <dgm:prSet presAssocID="{ED4B80E9-C159-490E-B0A5-DDE2752589E1}" presName="sibTrans" presStyleLbl="sibTrans1D1" presStyleIdx="2" presStyleCnt="4"/>
       <dgm:spPr/>
+      <dgm:t>
+        <a:bodyPr/>
+        <a:lstStyle/>
+        <a:p>
+          <a:endParaRPr lang="en-US"/>
+        </a:p>
+      </dgm:t>
     </dgm:pt>
     <dgm:pt modelId="{355DCBBB-3421-4AE3-9BFA-63A2D798223A}" type="pres">
       <dgm:prSet presAssocID="{ED4B80E9-C159-490E-B0A5-DDE2752589E1}" presName="connectorText" presStyleLbl="sibTrans1D1" presStyleIdx="2" presStyleCnt="4"/>
       <dgm:spPr/>
+      <dgm:t>
+        <a:bodyPr/>
+        <a:lstStyle/>
+        <a:p>
+          <a:endParaRPr lang="en-US"/>
+        </a:p>
+      </dgm:t>
     </dgm:pt>
     <dgm:pt modelId="{59A92220-14CF-4443-9A54-DD98EC8CD689}" type="pres">
       <dgm:prSet presAssocID="{033C901F-3A78-45E3-B13C-03DBE9249778}" presName="node" presStyleLbl="node1" presStyleIdx="3" presStyleCnt="5" custScaleX="33642" custScaleY="45178" custLinFactNeighborX="2233" custLinFactNeighborY="-48467">
@@ -1274,14 +1344,35 @@
         </dgm:presLayoutVars>
       </dgm:prSet>
       <dgm:spPr/>
+      <dgm:t>
+        <a:bodyPr/>
+        <a:lstStyle/>
+        <a:p>
+          <a:endParaRPr lang="en-US"/>
+        </a:p>
+      </dgm:t>
     </dgm:pt>
     <dgm:pt modelId="{E29468FD-E079-4340-B989-979877FDE49F}" type="pres">
       <dgm:prSet presAssocID="{8E8FDDC5-D863-41D1-9F16-FE9869DF4EAF}" presName="sibTrans" presStyleLbl="sibTrans1D1" presStyleIdx="3" presStyleCnt="4"/>
       <dgm:spPr/>
+      <dgm:t>
+        <a:bodyPr/>
+        <a:lstStyle/>
+        <a:p>
+          <a:endParaRPr lang="en-US"/>
+        </a:p>
+      </dgm:t>
     </dgm:pt>
     <dgm:pt modelId="{6BFFAD14-45CF-4072-BEEC-3E29B0650A06}" type="pres">
       <dgm:prSet presAssocID="{8E8FDDC5-D863-41D1-9F16-FE9869DF4EAF}" presName="connectorText" presStyleLbl="sibTrans1D1" presStyleIdx="3" presStyleCnt="4"/>
       <dgm:spPr/>
+      <dgm:t>
+        <a:bodyPr/>
+        <a:lstStyle/>
+        <a:p>
+          <a:endParaRPr lang="en-US"/>
+        </a:p>
+      </dgm:t>
     </dgm:pt>
     <dgm:pt modelId="{77952285-0A1D-4036-88F2-19A1034DEC6B}" type="pres">
       <dgm:prSet presAssocID="{B98EC44E-79AA-4B56-869F-3FEF6AFB601F}" presName="node" presStyleLbl="node1" presStyleIdx="4" presStyleCnt="5" custScaleX="47367" custScaleY="33075" custLinFactNeighborX="-11786" custLinFactNeighborY="-6541">
@@ -1290,6 +1381,13 @@
         </dgm:presLayoutVars>
       </dgm:prSet>
       <dgm:spPr/>
+      <dgm:t>
+        <a:bodyPr/>
+        <a:lstStyle/>
+        <a:p>
+          <a:endParaRPr lang="en-US"/>
+        </a:p>
+      </dgm:t>
     </dgm:pt>
   </dgm:ptLst>
   <dgm:cxnLst>
@@ -1410,7 +1508,7 @@
         </a:bodyPr>
         <a:lstStyle/>
         <a:p>
-          <a:pPr marL="0" lvl="0" indent="0" algn="ctr" defTabSz="222250">
+          <a:pPr lvl="0" algn="ctr" defTabSz="222250">
             <a:lnSpc>
               <a:spcPct val="90000"/>
             </a:lnSpc>
@@ -1420,7 +1518,6 @@
             <a:spcAft>
               <a:spcPct val="35000"/>
             </a:spcAft>
-            <a:buNone/>
           </a:pPr>
           <a:endParaRPr lang="en-US" sz="500" kern="1200"/>
         </a:p>
@@ -1484,7 +1581,7 @@
         </a:bodyPr>
         <a:lstStyle/>
         <a:p>
-          <a:pPr marL="0" lvl="0" indent="0" algn="ctr" defTabSz="1600200">
+          <a:pPr lvl="0" algn="ctr" defTabSz="1600200">
             <a:lnSpc>
               <a:spcPct val="90000"/>
             </a:lnSpc>
@@ -1494,7 +1591,6 @@
             <a:spcAft>
               <a:spcPct val="35000"/>
             </a:spcAft>
-            <a:buNone/>
           </a:pPr>
           <a:r>
             <a:rPr lang="en-US" sz="3600" kern="1200" dirty="0">
@@ -1517,7 +1613,7 @@
       <dsp:spPr>
         <a:xfrm>
           <a:off x="7839694" y="1208685"/>
-          <a:ext cx="1634514" cy="1083344"/>
+          <a:ext cx="1634514" cy="1011519"/>
         </a:xfrm>
         <a:custGeom>
           <a:avLst/>
@@ -1534,7 +1630,7 @@
                 <a:pt x="1634514" y="0"/>
               </a:lnTo>
               <a:lnTo>
-                <a:pt x="1634514" y="1083344"/>
+                <a:pt x="1634514" y="1011519"/>
               </a:lnTo>
             </a:path>
           </a:pathLst>
@@ -1572,7 +1668,7 @@
         </a:bodyPr>
         <a:lstStyle/>
         <a:p>
-          <a:pPr marL="0" lvl="0" indent="0" algn="ctr" defTabSz="222250">
+          <a:pPr lvl="0" algn="ctr" defTabSz="222250">
             <a:lnSpc>
               <a:spcPct val="90000"/>
             </a:lnSpc>
@@ -1582,14 +1678,13 @@
             <a:spcAft>
               <a:spcPct val="35000"/>
             </a:spcAft>
-            <a:buNone/>
           </a:pPr>
           <a:endParaRPr lang="en-US" sz="500" kern="1200"/>
         </a:p>
       </dsp:txBody>
       <dsp:txXfrm>
-        <a:off x="8607513" y="1737733"/>
-        <a:ext cx="98876" cy="25249"/>
+        <a:off x="8608504" y="1701820"/>
+        <a:ext cx="96895" cy="25249"/>
       </dsp:txXfrm>
     </dsp:sp>
     <dsp:sp modelId="{53EDE23C-5AB3-47FA-89C5-F36E21C18445}">
@@ -1646,7 +1741,7 @@
         </a:bodyPr>
         <a:lstStyle/>
         <a:p>
-          <a:pPr marL="0" lvl="0" indent="0" algn="ctr" defTabSz="889000">
+          <a:pPr lvl="0" algn="ctr" defTabSz="889000">
             <a:lnSpc>
               <a:spcPct val="90000"/>
             </a:lnSpc>
@@ -1656,7 +1751,6 @@
             <a:spcAft>
               <a:spcPct val="35000"/>
             </a:spcAft>
-            <a:buNone/>
           </a:pPr>
           <a:r>
             <a:rPr lang="en-US" sz="2000" kern="1200" dirty="0"/>
@@ -1676,7 +1770,7 @@
       </dsp:nvSpPr>
       <dsp:spPr>
         <a:xfrm>
-          <a:off x="2134575" y="3364673"/>
+          <a:off x="2134575" y="3436499"/>
           <a:ext cx="7341361" cy="2140383"/>
         </a:xfrm>
         <a:custGeom>
@@ -1729,7 +1823,7 @@
         </a:bodyPr>
         <a:lstStyle/>
         <a:p>
-          <a:pPr marL="0" lvl="0" indent="0" algn="ctr" defTabSz="222250">
+          <a:pPr lvl="0" algn="ctr" defTabSz="222250">
             <a:lnSpc>
               <a:spcPct val="90000"/>
             </a:lnSpc>
@@ -1739,13 +1833,12 @@
             <a:spcAft>
               <a:spcPct val="35000"/>
             </a:spcAft>
-            <a:buNone/>
           </a:pPr>
           <a:endParaRPr lang="en-US" sz="500" kern="1200"/>
         </a:p>
       </dsp:txBody>
       <dsp:txXfrm>
-        <a:off x="5613316" y="4422241"/>
+        <a:off x="5613316" y="4494066"/>
         <a:ext cx="383880" cy="25249"/>
       </dsp:txXfrm>
     </dsp:sp>
@@ -1756,8 +1849,8 @@
       </dsp:nvSpPr>
       <dsp:spPr>
         <a:xfrm>
-          <a:off x="8139917" y="2324430"/>
-          <a:ext cx="2668583" cy="3180123"/>
+          <a:off x="8139917" y="2252604"/>
+          <a:ext cx="2668583" cy="3323774"/>
         </a:xfrm>
         <a:prstGeom prst="rect">
           <a:avLst/>
@@ -1803,7 +1896,7 @@
         </a:bodyPr>
         <a:lstStyle/>
         <a:p>
-          <a:pPr marL="0" lvl="0" indent="0" algn="ctr" defTabSz="1600200">
+          <a:pPr lvl="0" algn="ctr" defTabSz="1600200">
             <a:lnSpc>
               <a:spcPct val="90000"/>
             </a:lnSpc>
@@ -1813,7 +1906,6 @@
             <a:spcAft>
               <a:spcPct val="35000"/>
             </a:spcAft>
-            <a:buNone/>
           </a:pPr>
           <a:r>
             <a:rPr lang="en-US" sz="3600" kern="1200" dirty="0">
@@ -1823,7 +1915,7 @@
           </a:r>
         </a:p>
         <a:p>
-          <a:pPr marL="0" lvl="0" indent="0" algn="ctr" defTabSz="1600200">
+          <a:pPr lvl="0" algn="ctr" defTabSz="1600200">
             <a:lnSpc>
               <a:spcPct val="90000"/>
             </a:lnSpc>
@@ -1833,7 +1925,6 @@
             <a:spcAft>
               <a:spcPct val="35000"/>
             </a:spcAft>
-            <a:buNone/>
           </a:pPr>
           <a:r>
             <a:rPr lang="en-US" sz="3600" kern="1200" dirty="0">
@@ -1844,8 +1935,8 @@
         </a:p>
       </dsp:txBody>
       <dsp:txXfrm>
-        <a:off x="8139917" y="2324430"/>
-        <a:ext cx="2668583" cy="3180123"/>
+        <a:off x="8139917" y="2252604"/>
+        <a:ext cx="2668583" cy="3323774"/>
       </dsp:txXfrm>
     </dsp:sp>
     <dsp:sp modelId="{E29468FD-E079-4340-B989-979877FDE49F}">
@@ -1855,7 +1946,7 @@
       </dsp:nvSpPr>
       <dsp:spPr>
         <a:xfrm>
-          <a:off x="3946494" y="4842058"/>
+          <a:off x="3946494" y="4913883"/>
           <a:ext cx="954380" cy="2758910"/>
         </a:xfrm>
         <a:custGeom>
@@ -1914,7 +2005,7 @@
         </a:bodyPr>
         <a:lstStyle/>
         <a:p>
-          <a:pPr marL="0" lvl="0" indent="0" algn="ctr" defTabSz="222250">
+          <a:pPr lvl="0" algn="ctr" defTabSz="222250">
             <a:lnSpc>
               <a:spcPct val="90000"/>
             </a:lnSpc>
@@ -1924,13 +2015,12 @@
             <a:spcAft>
               <a:spcPct val="35000"/>
             </a:spcAft>
-            <a:buNone/>
           </a:pPr>
           <a:endParaRPr lang="en-US" sz="500" kern="1200"/>
         </a:p>
       </dsp:txBody>
       <dsp:txXfrm>
-        <a:off x="4350447" y="6208888"/>
+        <a:off x="4350447" y="6280714"/>
         <a:ext cx="146473" cy="25249"/>
       </dsp:txXfrm>
     </dsp:sp>
@@ -1941,7 +2031,7 @@
       </dsp:nvSpPr>
       <dsp:spPr>
         <a:xfrm>
-          <a:off x="258647" y="3355605"/>
+          <a:off x="258647" y="3427430"/>
           <a:ext cx="3689646" cy="2972906"/>
         </a:xfrm>
         <a:prstGeom prst="rect">
@@ -1988,7 +2078,7 @@
         </a:bodyPr>
         <a:lstStyle/>
         <a:p>
-          <a:pPr marL="0" lvl="0" indent="0" algn="ctr" defTabSz="1422400">
+          <a:pPr lvl="0" algn="ctr" defTabSz="1422400">
             <a:lnSpc>
               <a:spcPct val="90000"/>
             </a:lnSpc>
@@ -1998,7 +2088,6 @@
             <a:spcAft>
               <a:spcPct val="35000"/>
             </a:spcAft>
-            <a:buNone/>
           </a:pPr>
           <a:r>
             <a:rPr lang="en-US" sz="3200" kern="1200" dirty="0">
@@ -2008,7 +2097,7 @@
           </a:r>
         </a:p>
         <a:p>
-          <a:pPr marL="0" lvl="0" indent="0" algn="ctr" defTabSz="1422400">
+          <a:pPr lvl="0" algn="ctr" defTabSz="1422400">
             <a:lnSpc>
               <a:spcPct val="90000"/>
             </a:lnSpc>
@@ -2018,7 +2107,6 @@
             <a:spcAft>
               <a:spcPct val="35000"/>
             </a:spcAft>
-            <a:buNone/>
           </a:pPr>
           <a:r>
             <a:rPr lang="en-US" sz="3200" kern="1200" dirty="0">
@@ -2041,7 +2129,7 @@
         </a:p>
       </dsp:txBody>
       <dsp:txXfrm>
-        <a:off x="258647" y="3355605"/>
+        <a:off x="258647" y="3427430"/>
         <a:ext cx="3689646" cy="2972906"/>
       </dsp:txXfrm>
     </dsp:sp>
@@ -2052,7 +2140,7 @@
       </dsp:nvSpPr>
       <dsp:spPr>
         <a:xfrm>
-          <a:off x="4933274" y="6512730"/>
+          <a:off x="4933274" y="6584555"/>
           <a:ext cx="5194919" cy="2176476"/>
         </a:xfrm>
         <a:prstGeom prst="rect">
@@ -2099,7 +2187,7 @@
         </a:bodyPr>
         <a:lstStyle/>
         <a:p>
-          <a:pPr marL="0" lvl="0" indent="0" algn="ctr" defTabSz="1600200">
+          <a:pPr lvl="0" algn="ctr" defTabSz="1600200">
             <a:lnSpc>
               <a:spcPct val="90000"/>
             </a:lnSpc>
@@ -2109,7 +2197,6 @@
             <a:spcAft>
               <a:spcPct val="35000"/>
             </a:spcAft>
-            <a:buNone/>
           </a:pPr>
           <a:r>
             <a:rPr lang="en-US" sz="3600" kern="1200" dirty="0">
@@ -2120,7 +2207,7 @@
         </a:p>
       </dsp:txBody>
       <dsp:txXfrm>
-        <a:off x="4933274" y="6512730"/>
+        <a:off x="4933274" y="6584555"/>
         <a:ext cx="5194919" cy="2176476"/>
       </dsp:txXfrm>
     </dsp:sp>
@@ -12890,6 +12977,18 @@
               </a:rPr>
               <a:t> Method Calculator</a:t>
             </a:r>
+            <a:r>
+              <a:rPr lang="en-US" sz="10000" b="0" i="0" u="none" strike="noStrike" cap="none" baseline="0" dirty="0">
+                <a:solidFill>
+                  <a:schemeClr val="dk1"/>
+                </a:solidFill>
+                <a:latin typeface="Calibri"/>
+                <a:ea typeface="Calibri"/>
+                <a:cs typeface="Calibri"/>
+                <a:sym typeface="Calibri"/>
+              </a:rPr>
+              <a:t/>
+            </a:r>
             <a:br>
               <a:rPr lang="en-US" sz="10000" b="0" i="0" u="none" strike="noStrike" cap="none" baseline="0" dirty="0">
                 <a:solidFill>
@@ -13638,7 +13737,19 @@
               <a:rPr lang="en-US" sz="3600" dirty="0">
                 <a:latin typeface="Calibri" panose="020F0502020204030204" pitchFamily="34" charset="0"/>
               </a:rPr>
-              <a:t>Our project goal was to create a website that can quickly output an approximation to the root of a function using Newton’s Method, introduced in our Calculus class. This would allow for users to bypass the tedious work of performing dozens of iterations by hand. This unique program allows users to enter a function and guess, and have the computer work through the iterations before presenting an answer. The difficulties building this program included designing a loop to properly handle the iterations, as well as formatting the graph and web page. We found that a do-while loop for the heart of the math calculations worked well, and allowed for us to control the number of iterations using the exit conditions. The final website also includes a graph to make it easier for users to visualize the function and make a sound initial guess.</a:t>
+              <a:t>Our project goal was to create a </a:t>
+            </a:r>
+            <a:r>
+              <a:rPr lang="en-US" sz="3600" dirty="0" smtClean="0">
+                <a:latin typeface="Calibri" panose="020F0502020204030204" pitchFamily="34" charset="0"/>
+              </a:rPr>
+              <a:t>web app </a:t>
+            </a:r>
+            <a:r>
+              <a:rPr lang="en-US" sz="3600" dirty="0">
+                <a:latin typeface="Calibri" panose="020F0502020204030204" pitchFamily="34" charset="0"/>
+              </a:rPr>
+              <a:t>that can quickly output an approximation to the root of a function using Newton’s Method, introduced in our Calculus class. This would allow for users to bypass the tedious work of performing dozens of iterations by hand. This unique program allows users to enter a function and guess, and have the computer work through the iterations before presenting an answer. The difficulties building this program included designing a loop to properly handle the iterations, as well as formatting the graph and web page. We found that a do-while loop for the heart of the math calculations worked well, and allowed for us to control the number of iterations using the exit conditions. The final website also includes a graph to make it easier for users to visualize the function and make a sound initial guess.</a:t>
             </a:r>
           </a:p>
         </p:txBody>
@@ -14370,8 +14481,8 @@
           </a:p>
         </p:txBody>
       </p:sp>
-      <mc:AlternateContent xmlns:mc="http://schemas.openxmlformats.org/markup-compatibility/2006">
-        <mc:Choice xmlns:a14="http://schemas.microsoft.com/office/drawing/2010/main" Requires="a14">
+      <mc:AlternateContent xmlns:mc="http://schemas.openxmlformats.org/markup-compatibility/2006" xmlns:a14="http://schemas.microsoft.com/office/drawing/2010/main">
+        <mc:Choice Requires="a14">
           <p:sp>
             <p:nvSpPr>
               <p:cNvPr id="105" name="Shape 105"/>
@@ -14724,7 +14835,7 @@
             </p:txBody>
           </p:sp>
         </mc:Choice>
-        <mc:Fallback>
+        <mc:Fallback xmlns="">
           <p:sp>
             <p:nvSpPr>
               <p:cNvPr id="105" name="Shape 105"/>
@@ -15198,7 +15309,7 @@
           <p:nvPr>
             <p:extLst>
               <p:ext uri="{D42A27DB-BD31-4B8C-83A1-F6EECF244321}">
-                <p14:modId xmlns:p14="http://schemas.microsoft.com/office/powerpoint/2010/main" val="2538315913"/>
+                <p14:modId xmlns:p14="http://schemas.microsoft.com/office/powerpoint/2010/main" val="373934228"/>
               </p:ext>
             </p:extLst>
           </p:nvPr>
